--- a/Könyvtári szimuláció.pptx
+++ b/Könyvtári szimuláció.pptx
@@ -107,6 +107,11 @@
       </a:defRPr>
     </a:lvl9pPr>
   </p:defaultTextStyle>
+  <p:extLst>
+    <p:ext uri="{EFAFB233-063F-42B5-8137-9DF3F51BA10A}">
+      <p15:sldGuideLst xmlns:p15="http://schemas.microsoft.com/office/powerpoint/2012/main"/>
+    </p:ext>
+  </p:extLst>
 </p:presentation>
 </file>
 
@@ -298,7 +303,7 @@
           <a:p>
             <a:fld id="{BF8C1691-2532-4488-98DB-1999098732DB}" type="datetimeFigureOut">
               <a:rPr lang="hu-HU" smtClean="0"/>
-              <a:t>2022.11.23</a:t>
+              <a:t>2022.11.30</a:t>
             </a:fld>
             <a:endParaRPr lang="hu-HU"/>
           </a:p>
@@ -443,13 +448,13 @@
   <p:clrMapOvr>
     <a:masterClrMapping/>
   </p:clrMapOvr>
-  <mc:AlternateContent xmlns:mc="http://schemas.openxmlformats.org/markup-compatibility/2006">
-    <mc:Choice xmlns:p15="http://schemas.microsoft.com/office/powerpoint/2012/main" Requires="p15">
+  <mc:AlternateContent xmlns:mc="http://schemas.openxmlformats.org/markup-compatibility/2006" xmlns:p15="http://schemas.microsoft.com/office/powerpoint/2012/main">
+    <mc:Choice Requires="p15">
       <p:transition xmlns:p14="http://schemas.microsoft.com/office/powerpoint/2010/main" spd="slow" p14:dur="8000">
         <p15:prstTrans prst="origami"/>
       </p:transition>
     </mc:Choice>
-    <mc:Fallback>
+    <mc:Fallback xmlns="">
       <p:transition spd="slow">
         <p:fade/>
       </p:transition>
@@ -648,7 +653,7 @@
           <a:p>
             <a:fld id="{BF8C1691-2532-4488-98DB-1999098732DB}" type="datetimeFigureOut">
               <a:rPr lang="hu-HU" smtClean="0"/>
-              <a:t>2022.11.23</a:t>
+              <a:t>2022.11.30</a:t>
             </a:fld>
             <a:endParaRPr lang="hu-HU"/>
           </a:p>
@@ -793,13 +798,13 @@
   <p:clrMapOvr>
     <a:masterClrMapping/>
   </p:clrMapOvr>
-  <mc:AlternateContent xmlns:mc="http://schemas.openxmlformats.org/markup-compatibility/2006">
-    <mc:Choice xmlns:p15="http://schemas.microsoft.com/office/powerpoint/2012/main" Requires="p15">
+  <mc:AlternateContent xmlns:mc="http://schemas.openxmlformats.org/markup-compatibility/2006" xmlns:p15="http://schemas.microsoft.com/office/powerpoint/2012/main">
+    <mc:Choice Requires="p15">
       <p:transition xmlns:p14="http://schemas.microsoft.com/office/powerpoint/2010/main" spd="slow" p14:dur="8000">
         <p15:prstTrans prst="origami"/>
       </p:transition>
     </mc:Choice>
-    <mc:Fallback>
+    <mc:Fallback xmlns="">
       <p:transition spd="slow">
         <p:fade/>
       </p:transition>
@@ -1061,7 +1066,7 @@
           <a:p>
             <a:fld id="{BF8C1691-2532-4488-98DB-1999098732DB}" type="datetimeFigureOut">
               <a:rPr lang="hu-HU" smtClean="0"/>
-              <a:t>2022.11.23</a:t>
+              <a:t>2022.11.30</a:t>
             </a:fld>
             <a:endParaRPr lang="hu-HU"/>
           </a:p>
@@ -1282,13 +1287,13 @@
   <p:clrMapOvr>
     <a:masterClrMapping/>
   </p:clrMapOvr>
-  <mc:AlternateContent xmlns:mc="http://schemas.openxmlformats.org/markup-compatibility/2006">
-    <mc:Choice xmlns:p15="http://schemas.microsoft.com/office/powerpoint/2012/main" Requires="p15">
+  <mc:AlternateContent xmlns:mc="http://schemas.openxmlformats.org/markup-compatibility/2006" xmlns:p15="http://schemas.microsoft.com/office/powerpoint/2012/main">
+    <mc:Choice Requires="p15">
       <p:transition xmlns:p14="http://schemas.microsoft.com/office/powerpoint/2010/main" spd="slow" p14:dur="8000">
         <p15:prstTrans prst="origami"/>
       </p:transition>
     </mc:Choice>
-    <mc:Fallback>
+    <mc:Fallback xmlns="">
       <p:transition spd="slow">
         <p:fade/>
       </p:transition>
@@ -1409,7 +1414,7 @@
           <a:p>
             <a:fld id="{BF8C1691-2532-4488-98DB-1999098732DB}" type="datetimeFigureOut">
               <a:rPr lang="hu-HU" smtClean="0"/>
-              <a:t>2022.11.23</a:t>
+              <a:t>2022.11.30</a:t>
             </a:fld>
             <a:endParaRPr lang="hu-HU"/>
           </a:p>
@@ -1554,13 +1559,13 @@
   <p:clrMapOvr>
     <a:masterClrMapping/>
   </p:clrMapOvr>
-  <mc:AlternateContent xmlns:mc="http://schemas.openxmlformats.org/markup-compatibility/2006">
-    <mc:Choice xmlns:p15="http://schemas.microsoft.com/office/powerpoint/2012/main" Requires="p15">
+  <mc:AlternateContent xmlns:mc="http://schemas.openxmlformats.org/markup-compatibility/2006" xmlns:p15="http://schemas.microsoft.com/office/powerpoint/2012/main">
+    <mc:Choice Requires="p15">
       <p:transition xmlns:p14="http://schemas.microsoft.com/office/powerpoint/2010/main" spd="slow" p14:dur="8000">
         <p15:prstTrans prst="origami"/>
       </p:transition>
     </mc:Choice>
-    <mc:Fallback>
+    <mc:Fallback xmlns="">
       <p:transition spd="slow">
         <p:fade/>
       </p:transition>
@@ -1741,7 +1746,7 @@
           <a:p>
             <a:fld id="{BF8C1691-2532-4488-98DB-1999098732DB}" type="datetimeFigureOut">
               <a:rPr lang="hu-HU" smtClean="0"/>
-              <a:t>2022.11.23</a:t>
+              <a:t>2022.11.30</a:t>
             </a:fld>
             <a:endParaRPr lang="hu-HU"/>
           </a:p>
@@ -1962,13 +1967,13 @@
   <p:clrMapOvr>
     <a:masterClrMapping/>
   </p:clrMapOvr>
-  <mc:AlternateContent xmlns:mc="http://schemas.openxmlformats.org/markup-compatibility/2006">
-    <mc:Choice xmlns:p15="http://schemas.microsoft.com/office/powerpoint/2012/main" Requires="p15">
+  <mc:AlternateContent xmlns:mc="http://schemas.openxmlformats.org/markup-compatibility/2006" xmlns:p15="http://schemas.microsoft.com/office/powerpoint/2012/main">
+    <mc:Choice Requires="p15">
       <p:transition xmlns:p14="http://schemas.microsoft.com/office/powerpoint/2010/main" spd="slow" p14:dur="8000">
         <p15:prstTrans prst="origami"/>
       </p:transition>
     </mc:Choice>
-    <mc:Fallback>
+    <mc:Fallback xmlns="">
       <p:transition spd="slow">
         <p:fade/>
       </p:transition>
@@ -2149,7 +2154,7 @@
           <a:p>
             <a:fld id="{BF8C1691-2532-4488-98DB-1999098732DB}" type="datetimeFigureOut">
               <a:rPr lang="hu-HU" smtClean="0"/>
-              <a:t>2022.11.23</a:t>
+              <a:t>2022.11.30</a:t>
             </a:fld>
             <a:endParaRPr lang="hu-HU"/>
           </a:p>
@@ -2294,13 +2299,13 @@
   <p:clrMapOvr>
     <a:masterClrMapping/>
   </p:clrMapOvr>
-  <mc:AlternateContent xmlns:mc="http://schemas.openxmlformats.org/markup-compatibility/2006">
-    <mc:Choice xmlns:p15="http://schemas.microsoft.com/office/powerpoint/2012/main" Requires="p15">
+  <mc:AlternateContent xmlns:mc="http://schemas.openxmlformats.org/markup-compatibility/2006" xmlns:p15="http://schemas.microsoft.com/office/powerpoint/2012/main">
+    <mc:Choice Requires="p15">
       <p:transition xmlns:p14="http://schemas.microsoft.com/office/powerpoint/2010/main" spd="slow" p14:dur="8000">
         <p15:prstTrans prst="origami"/>
       </p:transition>
     </mc:Choice>
-    <mc:Fallback>
+    <mc:Fallback xmlns="">
       <p:transition spd="slow">
         <p:fade/>
       </p:transition>
@@ -2418,7 +2423,7 @@
           <a:p>
             <a:fld id="{BF8C1691-2532-4488-98DB-1999098732DB}" type="datetimeFigureOut">
               <a:rPr lang="hu-HU" smtClean="0"/>
-              <a:t>2022.11.23</a:t>
+              <a:t>2022.11.30</a:t>
             </a:fld>
             <a:endParaRPr lang="hu-HU"/>
           </a:p>
@@ -2558,13 +2563,13 @@
   <p:clrMapOvr>
     <a:masterClrMapping/>
   </p:clrMapOvr>
-  <mc:AlternateContent xmlns:mc="http://schemas.openxmlformats.org/markup-compatibility/2006">
-    <mc:Choice xmlns:p15="http://schemas.microsoft.com/office/powerpoint/2012/main" Requires="p15">
+  <mc:AlternateContent xmlns:mc="http://schemas.openxmlformats.org/markup-compatibility/2006" xmlns:p15="http://schemas.microsoft.com/office/powerpoint/2012/main">
+    <mc:Choice Requires="p15">
       <p:transition xmlns:p14="http://schemas.microsoft.com/office/powerpoint/2010/main" spd="slow" p14:dur="8000">
         <p15:prstTrans prst="origami"/>
       </p:transition>
     </mc:Choice>
-    <mc:Fallback>
+    <mc:Fallback xmlns="">
       <p:transition spd="slow">
         <p:fade/>
       </p:transition>
@@ -2692,7 +2697,7 @@
           <a:p>
             <a:fld id="{BF8C1691-2532-4488-98DB-1999098732DB}" type="datetimeFigureOut">
               <a:rPr lang="hu-HU" smtClean="0"/>
-              <a:t>2022.11.23</a:t>
+              <a:t>2022.11.30</a:t>
             </a:fld>
             <a:endParaRPr lang="hu-HU"/>
           </a:p>
@@ -2832,13 +2837,13 @@
   <p:clrMapOvr>
     <a:masterClrMapping/>
   </p:clrMapOvr>
-  <mc:AlternateContent xmlns:mc="http://schemas.openxmlformats.org/markup-compatibility/2006">
-    <mc:Choice xmlns:p15="http://schemas.microsoft.com/office/powerpoint/2012/main" Requires="p15">
+  <mc:AlternateContent xmlns:mc="http://schemas.openxmlformats.org/markup-compatibility/2006" xmlns:p15="http://schemas.microsoft.com/office/powerpoint/2012/main">
+    <mc:Choice Requires="p15">
       <p:transition xmlns:p14="http://schemas.microsoft.com/office/powerpoint/2010/main" spd="slow" p14:dur="8000">
         <p15:prstTrans prst="origami"/>
       </p:transition>
     </mc:Choice>
-    <mc:Fallback>
+    <mc:Fallback xmlns="">
       <p:transition spd="slow">
         <p:fade/>
       </p:transition>
@@ -2966,7 +2971,7 @@
           <a:p>
             <a:fld id="{BF8C1691-2532-4488-98DB-1999098732DB}" type="datetimeFigureOut">
               <a:rPr lang="hu-HU" smtClean="0"/>
-              <a:t>2022.11.23</a:t>
+              <a:t>2022.11.30</a:t>
             </a:fld>
             <a:endParaRPr lang="hu-HU"/>
           </a:p>
@@ -3106,13 +3111,13 @@
   <p:clrMapOvr>
     <a:masterClrMapping/>
   </p:clrMapOvr>
-  <mc:AlternateContent xmlns:mc="http://schemas.openxmlformats.org/markup-compatibility/2006">
-    <mc:Choice xmlns:p15="http://schemas.microsoft.com/office/powerpoint/2012/main" Requires="p15">
+  <mc:AlternateContent xmlns:mc="http://schemas.openxmlformats.org/markup-compatibility/2006" xmlns:p15="http://schemas.microsoft.com/office/powerpoint/2012/main">
+    <mc:Choice Requires="p15">
       <p:transition xmlns:p14="http://schemas.microsoft.com/office/powerpoint/2010/main" spd="slow" p14:dur="8000">
         <p15:prstTrans prst="origami"/>
       </p:transition>
     </mc:Choice>
-    <mc:Fallback>
+    <mc:Fallback xmlns="">
       <p:transition spd="slow">
         <p:fade/>
       </p:transition>
@@ -3307,7 +3312,7 @@
           <a:p>
             <a:fld id="{BF8C1691-2532-4488-98DB-1999098732DB}" type="datetimeFigureOut">
               <a:rPr lang="hu-HU" smtClean="0"/>
-              <a:t>2022.11.23</a:t>
+              <a:t>2022.11.30</a:t>
             </a:fld>
             <a:endParaRPr lang="hu-HU"/>
           </a:p>
@@ -3452,13 +3457,13 @@
   <p:clrMapOvr>
     <a:masterClrMapping/>
   </p:clrMapOvr>
-  <mc:AlternateContent xmlns:mc="http://schemas.openxmlformats.org/markup-compatibility/2006">
-    <mc:Choice xmlns:p15="http://schemas.microsoft.com/office/powerpoint/2012/main" Requires="p15">
+  <mc:AlternateContent xmlns:mc="http://schemas.openxmlformats.org/markup-compatibility/2006" xmlns:p15="http://schemas.microsoft.com/office/powerpoint/2012/main">
+    <mc:Choice Requires="p15">
       <p:transition xmlns:p14="http://schemas.microsoft.com/office/powerpoint/2010/main" spd="slow" p14:dur="8000">
         <p15:prstTrans prst="origami"/>
       </p:transition>
     </mc:Choice>
-    <mc:Fallback>
+    <mc:Fallback xmlns="">
       <p:transition spd="slow">
         <p:fade/>
       </p:transition>
@@ -3642,7 +3647,7 @@
           <a:p>
             <a:fld id="{BF8C1691-2532-4488-98DB-1999098732DB}" type="datetimeFigureOut">
               <a:rPr lang="hu-HU" smtClean="0"/>
-              <a:t>2022.11.23</a:t>
+              <a:t>2022.11.30</a:t>
             </a:fld>
             <a:endParaRPr lang="hu-HU"/>
           </a:p>
@@ -3787,13 +3792,13 @@
   <p:clrMapOvr>
     <a:masterClrMapping/>
   </p:clrMapOvr>
-  <mc:AlternateContent xmlns:mc="http://schemas.openxmlformats.org/markup-compatibility/2006">
-    <mc:Choice xmlns:p15="http://schemas.microsoft.com/office/powerpoint/2012/main" Requires="p15">
+  <mc:AlternateContent xmlns:mc="http://schemas.openxmlformats.org/markup-compatibility/2006" xmlns:p15="http://schemas.microsoft.com/office/powerpoint/2012/main">
+    <mc:Choice Requires="p15">
       <p:transition xmlns:p14="http://schemas.microsoft.com/office/powerpoint/2010/main" spd="slow" p14:dur="8000">
         <p15:prstTrans prst="origami"/>
       </p:transition>
     </mc:Choice>
-    <mc:Fallback>
+    <mc:Fallback xmlns="">
       <p:transition spd="slow">
         <p:fade/>
       </p:transition>
@@ -4111,7 +4116,7 @@
           <a:p>
             <a:fld id="{BF8C1691-2532-4488-98DB-1999098732DB}" type="datetimeFigureOut">
               <a:rPr lang="hu-HU" smtClean="0"/>
-              <a:t>2022.11.23</a:t>
+              <a:t>2022.11.30</a:t>
             </a:fld>
             <a:endParaRPr lang="hu-HU"/>
           </a:p>
@@ -4256,13 +4261,13 @@
   <p:clrMapOvr>
     <a:masterClrMapping/>
   </p:clrMapOvr>
-  <mc:AlternateContent xmlns:mc="http://schemas.openxmlformats.org/markup-compatibility/2006">
-    <mc:Choice xmlns:p15="http://schemas.microsoft.com/office/powerpoint/2012/main" Requires="p15">
+  <mc:AlternateContent xmlns:mc="http://schemas.openxmlformats.org/markup-compatibility/2006" xmlns:p15="http://schemas.microsoft.com/office/powerpoint/2012/main">
+    <mc:Choice Requires="p15">
       <p:transition xmlns:p14="http://schemas.microsoft.com/office/powerpoint/2010/main" spd="slow" p14:dur="8000">
         <p15:prstTrans prst="origami"/>
       </p:transition>
     </mc:Choice>
-    <mc:Fallback>
+    <mc:Fallback xmlns="">
       <p:transition spd="slow">
         <p:fade/>
       </p:transition>
@@ -4328,7 +4333,7 @@
           <a:p>
             <a:fld id="{BF8C1691-2532-4488-98DB-1999098732DB}" type="datetimeFigureOut">
               <a:rPr lang="hu-HU" smtClean="0"/>
-              <a:t>2022.11.23</a:t>
+              <a:t>2022.11.30</a:t>
             </a:fld>
             <a:endParaRPr lang="hu-HU"/>
           </a:p>
@@ -4468,13 +4473,13 @@
   <p:clrMapOvr>
     <a:masterClrMapping/>
   </p:clrMapOvr>
-  <mc:AlternateContent xmlns:mc="http://schemas.openxmlformats.org/markup-compatibility/2006">
-    <mc:Choice xmlns:p15="http://schemas.microsoft.com/office/powerpoint/2012/main" Requires="p15">
+  <mc:AlternateContent xmlns:mc="http://schemas.openxmlformats.org/markup-compatibility/2006" xmlns:p15="http://schemas.microsoft.com/office/powerpoint/2012/main">
+    <mc:Choice Requires="p15">
       <p:transition xmlns:p14="http://schemas.microsoft.com/office/powerpoint/2010/main" spd="slow" p14:dur="8000">
         <p15:prstTrans prst="origami"/>
       </p:transition>
     </mc:Choice>
-    <mc:Fallback>
+    <mc:Fallback xmlns="">
       <p:transition spd="slow">
         <p:fade/>
       </p:transition>
@@ -4517,7 +4522,7 @@
           <a:p>
             <a:fld id="{BF8C1691-2532-4488-98DB-1999098732DB}" type="datetimeFigureOut">
               <a:rPr lang="hu-HU" smtClean="0"/>
-              <a:t>2022.11.23</a:t>
+              <a:t>2022.11.30</a:t>
             </a:fld>
             <a:endParaRPr lang="hu-HU"/>
           </a:p>
@@ -4657,13 +4662,13 @@
   <p:clrMapOvr>
     <a:masterClrMapping/>
   </p:clrMapOvr>
-  <mc:AlternateContent xmlns:mc="http://schemas.openxmlformats.org/markup-compatibility/2006">
-    <mc:Choice xmlns:p15="http://schemas.microsoft.com/office/powerpoint/2012/main" Requires="p15">
+  <mc:AlternateContent xmlns:mc="http://schemas.openxmlformats.org/markup-compatibility/2006" xmlns:p15="http://schemas.microsoft.com/office/powerpoint/2012/main">
+    <mc:Choice Requires="p15">
       <p:transition xmlns:p14="http://schemas.microsoft.com/office/powerpoint/2010/main" spd="slow" p14:dur="8000">
         <p15:prstTrans prst="origami"/>
       </p:transition>
     </mc:Choice>
-    <mc:Fallback>
+    <mc:Fallback xmlns="">
       <p:transition spd="slow">
         <p:fade/>
       </p:transition>
@@ -4862,7 +4867,7 @@
           <a:p>
             <a:fld id="{BF8C1691-2532-4488-98DB-1999098732DB}" type="datetimeFigureOut">
               <a:rPr lang="hu-HU" smtClean="0"/>
-              <a:t>2022.11.23</a:t>
+              <a:t>2022.11.30</a:t>
             </a:fld>
             <a:endParaRPr lang="hu-HU"/>
           </a:p>
@@ -5002,13 +5007,13 @@
   <p:clrMapOvr>
     <a:masterClrMapping/>
   </p:clrMapOvr>
-  <mc:AlternateContent xmlns:mc="http://schemas.openxmlformats.org/markup-compatibility/2006">
-    <mc:Choice xmlns:p15="http://schemas.microsoft.com/office/powerpoint/2012/main" Requires="p15">
+  <mc:AlternateContent xmlns:mc="http://schemas.openxmlformats.org/markup-compatibility/2006" xmlns:p15="http://schemas.microsoft.com/office/powerpoint/2012/main">
+    <mc:Choice Requires="p15">
       <p:transition xmlns:p14="http://schemas.microsoft.com/office/powerpoint/2010/main" spd="slow" p14:dur="8000">
         <p15:prstTrans prst="origami"/>
       </p:transition>
     </mc:Choice>
-    <mc:Fallback>
+    <mc:Fallback xmlns="">
       <p:transition spd="slow">
         <p:fade/>
       </p:transition>
@@ -5219,7 +5224,7 @@
           <a:p>
             <a:fld id="{BF8C1691-2532-4488-98DB-1999098732DB}" type="datetimeFigureOut">
               <a:rPr lang="hu-HU" smtClean="0"/>
-              <a:t>2022.11.23</a:t>
+              <a:t>2022.11.30</a:t>
             </a:fld>
             <a:endParaRPr lang="hu-HU"/>
           </a:p>
@@ -5364,13 +5369,13 @@
   <p:clrMapOvr>
     <a:masterClrMapping/>
   </p:clrMapOvr>
-  <mc:AlternateContent xmlns:mc="http://schemas.openxmlformats.org/markup-compatibility/2006">
-    <mc:Choice xmlns:p15="http://schemas.microsoft.com/office/powerpoint/2012/main" Requires="p15">
+  <mc:AlternateContent xmlns:mc="http://schemas.openxmlformats.org/markup-compatibility/2006" xmlns:p15="http://schemas.microsoft.com/office/powerpoint/2012/main">
+    <mc:Choice Requires="p15">
       <p:transition xmlns:p14="http://schemas.microsoft.com/office/powerpoint/2010/main" spd="slow" p14:dur="8000">
         <p15:prstTrans prst="origami"/>
       </p:transition>
     </mc:Choice>
-    <mc:Fallback>
+    <mc:Fallback xmlns="">
       <p:transition spd="slow">
         <p:fade/>
       </p:transition>
@@ -7348,7 +7353,7 @@
           <a:p>
             <a:fld id="{BF8C1691-2532-4488-98DB-1999098732DB}" type="datetimeFigureOut">
               <a:rPr lang="hu-HU" smtClean="0"/>
-              <a:t>2022.11.23</a:t>
+              <a:t>2022.11.30</a:t>
             </a:fld>
             <a:endParaRPr lang="hu-HU"/>
           </a:p>
@@ -7456,13 +7461,13 @@
     <p:sldLayoutId id="2147483675" r:id="rId15"/>
     <p:sldLayoutId id="2147483676" r:id="rId16"/>
   </p:sldLayoutIdLst>
-  <mc:AlternateContent xmlns:mc="http://schemas.openxmlformats.org/markup-compatibility/2006">
-    <mc:Choice xmlns:p15="http://schemas.microsoft.com/office/powerpoint/2012/main" Requires="p15">
+  <mc:AlternateContent xmlns:mc="http://schemas.openxmlformats.org/markup-compatibility/2006" xmlns:p15="http://schemas.microsoft.com/office/powerpoint/2012/main">
+    <mc:Choice Requires="p15">
       <p:transition xmlns:p14="http://schemas.microsoft.com/office/powerpoint/2010/main" spd="slow" p14:dur="8000">
         <p15:prstTrans prst="origami"/>
       </p:transition>
     </mc:Choice>
-    <mc:Fallback>
+    <mc:Fallback xmlns="">
       <p:transition spd="slow">
         <p:fade/>
       </p:transition>
@@ -7970,13 +7975,13 @@
   <p:clrMapOvr>
     <a:masterClrMapping/>
   </p:clrMapOvr>
-  <mc:AlternateContent xmlns:mc="http://schemas.openxmlformats.org/markup-compatibility/2006">
-    <mc:Choice xmlns:p15="http://schemas.microsoft.com/office/powerpoint/2012/main" Requires="p15">
+  <mc:AlternateContent xmlns:mc="http://schemas.openxmlformats.org/markup-compatibility/2006" xmlns:p15="http://schemas.microsoft.com/office/powerpoint/2012/main">
+    <mc:Choice Requires="p15">
       <p:transition xmlns:p14="http://schemas.microsoft.com/office/powerpoint/2010/main" spd="slow" p14:dur="8000">
         <p15:prstTrans prst="origami"/>
       </p:transition>
     </mc:Choice>
-    <mc:Fallback>
+    <mc:Fallback xmlns="">
       <p:transition spd="slow">
         <p:fade/>
       </p:transition>
@@ -8148,13 +8153,13 @@
   <p:clrMapOvr>
     <a:masterClrMapping/>
   </p:clrMapOvr>
-  <mc:AlternateContent xmlns:mc="http://schemas.openxmlformats.org/markup-compatibility/2006">
-    <mc:Choice xmlns:p15="http://schemas.microsoft.com/office/powerpoint/2012/main" Requires="p15">
+  <mc:AlternateContent xmlns:mc="http://schemas.openxmlformats.org/markup-compatibility/2006" xmlns:p15="http://schemas.microsoft.com/office/powerpoint/2012/main">
+    <mc:Choice Requires="p15">
       <p:transition xmlns:p14="http://schemas.microsoft.com/office/powerpoint/2010/main" spd="slow" p14:dur="8000">
         <p15:prstTrans prst="origami"/>
       </p:transition>
     </mc:Choice>
-    <mc:Fallback>
+    <mc:Fallback xmlns="">
       <p:transition spd="slow">
         <p:fade/>
       </p:transition>
@@ -8874,7 +8879,7 @@
               <a:rPr lang="hu-HU" sz="6000" dirty="0">
                 <a:latin typeface="Brush Script MT" panose="03060802040406070304" pitchFamily="66" charset="0"/>
               </a:rPr>
-              <a:t>Felhasznált (megkövetelt) dolgok </a:t>
+              <a:t>Miért érdemes?</a:t>
             </a:r>
           </a:p>
         </p:txBody>
@@ -8903,101 +8908,209 @@
           <a:lstStyle/>
           <a:p>
             <a:r>
-              <a:rPr lang="hu-HU" sz="2000" dirty="0" err="1"/>
-              <a:t>Class</a:t>
+              <a:rPr lang="hu-HU" sz="2000" dirty="0"/>
+              <a:t>Kölcsönzőként és alkalmazottként is a legjobb választás</a:t>
             </a:r>
-            <a:endParaRPr lang="hu-HU" sz="2000" dirty="0"/>
-          </a:p>
-          <a:p>
-            <a:endParaRPr lang="hu-HU" sz="2000" dirty="0"/>
           </a:p>
           <a:p>
             <a:r>
               <a:rPr lang="hu-HU" sz="2000" dirty="0"/>
-              <a:t>File-</a:t>
+              <a:t>Egyszerű, letisztult rendszer </a:t>
             </a:r>
             <a:r>
-              <a:rPr lang="hu-HU" sz="2000" dirty="0" err="1"/>
-              <a:t>ból</a:t>
+              <a:rPr lang="hu-HU" sz="2000" dirty="0">
+                <a:sym typeface="Wingdings" panose="05000000000000000000" pitchFamily="2" charset="2"/>
+              </a:rPr>
+              <a:t> könnyű kezelés</a:t>
             </a:r>
+          </a:p>
+          <a:p>
             <a:r>
-              <a:rPr lang="hu-HU" sz="2000" dirty="0"/>
-              <a:t> olvasás, írás</a:t>
+              <a:rPr lang="hu-HU" sz="2000" dirty="0">
+                <a:sym typeface="Wingdings" panose="05000000000000000000" pitchFamily="2" charset="2"/>
+              </a:rPr>
+              <a:t>Innovatív kölcsönzés technológia (még működik is)</a:t>
             </a:r>
           </a:p>
           <a:p>
-            <a:endParaRPr lang="hu-HU" sz="2000" dirty="0"/>
-          </a:p>
-          <a:p>
             <a:r>
-              <a:rPr lang="hu-HU" sz="2000" dirty="0"/>
-              <a:t>Keresés</a:t>
+              <a:rPr lang="hu-HU" sz="2000" dirty="0">
+                <a:sym typeface="Wingdings" panose="05000000000000000000" pitchFamily="2" charset="2"/>
+              </a:rPr>
+              <a:t>Jövendőbeli munkatársainknak:</a:t>
             </a:r>
+          </a:p>
+          <a:p>
+            <a:pPr lvl="1"/>
+            <a:r>
+              <a:rPr lang="hu-HU" sz="1800" dirty="0"/>
+              <a:t>Adatok könnyű bevitele</a:t>
+            </a:r>
+          </a:p>
+          <a:p>
+            <a:pPr lvl="1"/>
+            <a:r>
+              <a:rPr lang="hu-HU" sz="1800" dirty="0"/>
+              <a:t>Adminisztratív feladatok egyszerű elvégzése</a:t>
+            </a:r>
+          </a:p>
+          <a:p>
+            <a:pPr lvl="1"/>
+            <a:r>
+              <a:rPr lang="hu-HU" sz="1800" dirty="0"/>
+              <a:t>Automatikus nyilvántartás</a:t>
+            </a:r>
+          </a:p>
+          <a:p>
+            <a:pPr lvl="1"/>
+            <a:endParaRPr lang="hu-HU" sz="1800" dirty="0"/>
+          </a:p>
+          <a:p>
+            <a:pPr lvl="1"/>
+            <a:endParaRPr lang="hu-HU" sz="1800" dirty="0"/>
           </a:p>
         </p:txBody>
       </p:sp>
-      <p:pic>
-        <p:nvPicPr>
-          <p:cNvPr id="5" name="Kép 4">
+      <p:sp>
+        <p:nvSpPr>
+          <p:cNvPr id="4" name="Szövegdoboz 3">
             <a:extLst>
               <a:ext uri="{FF2B5EF4-FFF2-40B4-BE49-F238E27FC236}">
-                <a16:creationId xmlns:a16="http://schemas.microsoft.com/office/drawing/2014/main" id="{0C3E0AA5-70C2-4BE5-8E71-1844725FDE1F}"/>
+                <a16:creationId xmlns:a16="http://schemas.microsoft.com/office/drawing/2014/main" id="{C561ECAD-05D0-43BB-995D-DFD3C01635BB}"/>
               </a:ext>
             </a:extLst>
           </p:cNvPr>
-          <p:cNvPicPr>
-            <a:picLocks noChangeAspect="1"/>
-          </p:cNvPicPr>
+          <p:cNvSpPr txBox="1"/>
           <p:nvPr/>
-        </p:nvPicPr>
-        <p:blipFill>
-          <a:blip r:embed="rId2">
-            <a:extLst>
-              <a:ext uri="{28A0092B-C50C-407E-A947-70E740481C1C}">
-                <a14:useLocalDpi xmlns:a14="http://schemas.microsoft.com/office/drawing/2010/main" val="0"/>
-              </a:ext>
-            </a:extLst>
-          </a:blip>
-          <a:stretch>
-            <a:fillRect/>
-          </a:stretch>
-        </p:blipFill>
+        </p:nvSpPr>
         <p:spPr>
           <a:xfrm>
-            <a:off x="7343371" y="1722483"/>
-            <a:ext cx="4511407" cy="4511407"/>
+            <a:off x="1165652" y="5616877"/>
+            <a:ext cx="9860693" cy="830997"/>
           </a:xfrm>
           <a:prstGeom prst="rect">
             <a:avLst/>
           </a:prstGeom>
-          <a:ln w="190500" cap="sq">
-            <a:solidFill>
-              <a:srgbClr val="C8C6BD"/>
-            </a:solidFill>
-            <a:prstDash val="solid"/>
-            <a:miter lim="800000"/>
-          </a:ln>
-          <a:effectLst>
-            <a:outerShdw blurRad="254000" algn="bl" rotWithShape="0">
-              <a:srgbClr val="000000">
-                <a:alpha val="43000"/>
-              </a:srgbClr>
-            </a:outerShdw>
-          </a:effectLst>
-          <a:scene3d>
-            <a:camera prst="perspectiveFront" fov="5400000"/>
-            <a:lightRig rig="threePt" dir="t">
-              <a:rot lat="0" lon="0" rev="2100000"/>
-            </a:lightRig>
-          </a:scene3d>
-          <a:sp3d extrusionH="25400">
-            <a:bevelT w="304800" h="152400" prst="hardEdge"/>
-            <a:extrusionClr>
-              <a:srgbClr val="000000"/>
-            </a:extrusionClr>
-          </a:sp3d>
+          <a:noFill/>
         </p:spPr>
-      </p:pic>
+        <p:txBody>
+          <a:bodyPr wrap="square" rtlCol="0">
+            <a:spAutoFit/>
+          </a:bodyPr>
+          <a:lstStyle/>
+          <a:p>
+            <a:r>
+              <a:rPr lang="hu-HU" sz="4800" dirty="0"/>
+              <a:t>KELL</a:t>
+            </a:r>
+          </a:p>
+        </p:txBody>
+      </p:sp>
+      <p:sp>
+        <p:nvSpPr>
+          <p:cNvPr id="6" name="Szövegdoboz 5">
+            <a:extLst>
+              <a:ext uri="{FF2B5EF4-FFF2-40B4-BE49-F238E27FC236}">
+                <a16:creationId xmlns:a16="http://schemas.microsoft.com/office/drawing/2014/main" id="{4DAD04B0-F60A-4FC5-9C55-CEBD0C29EA40}"/>
+              </a:ext>
+            </a:extLst>
+          </p:cNvPr>
+          <p:cNvSpPr txBox="1"/>
+          <p:nvPr/>
+        </p:nvSpPr>
+        <p:spPr>
+          <a:xfrm>
+            <a:off x="3774488" y="5616878"/>
+            <a:ext cx="4643022" cy="830997"/>
+          </a:xfrm>
+          <a:prstGeom prst="rect">
+            <a:avLst/>
+          </a:prstGeom>
+          <a:noFill/>
+        </p:spPr>
+        <p:txBody>
+          <a:bodyPr wrap="square" rtlCol="0">
+            <a:spAutoFit/>
+          </a:bodyPr>
+          <a:lstStyle/>
+          <a:p>
+            <a:r>
+              <a:rPr lang="hu-HU" sz="4800" dirty="0"/>
+              <a:t>MINDENKINEK</a:t>
+            </a:r>
+          </a:p>
+        </p:txBody>
+      </p:sp>
+      <p:sp>
+        <p:nvSpPr>
+          <p:cNvPr id="7" name="Szövegdoboz 6">
+            <a:extLst>
+              <a:ext uri="{FF2B5EF4-FFF2-40B4-BE49-F238E27FC236}">
+                <a16:creationId xmlns:a16="http://schemas.microsoft.com/office/drawing/2014/main" id="{9B0B5FDF-0ED0-475B-AE30-6AFF13B256AF}"/>
+              </a:ext>
+            </a:extLst>
+          </p:cNvPr>
+          <p:cNvSpPr txBox="1"/>
+          <p:nvPr/>
+        </p:nvSpPr>
+        <p:spPr>
+          <a:xfrm>
+            <a:off x="9498787" y="5690585"/>
+            <a:ext cx="2831977" cy="830997"/>
+          </a:xfrm>
+          <a:prstGeom prst="rect">
+            <a:avLst/>
+          </a:prstGeom>
+          <a:noFill/>
+        </p:spPr>
+        <p:txBody>
+          <a:bodyPr wrap="square" rtlCol="0">
+            <a:spAutoFit/>
+          </a:bodyPr>
+          <a:lstStyle/>
+          <a:p>
+            <a:r>
+              <a:rPr lang="hu-HU" sz="4800" dirty="0"/>
+              <a:t>MOST</a:t>
+            </a:r>
+          </a:p>
+        </p:txBody>
+      </p:sp>
+      <p:sp>
+        <p:nvSpPr>
+          <p:cNvPr id="8" name="Szövegdoboz 7">
+            <a:extLst>
+              <a:ext uri="{FF2B5EF4-FFF2-40B4-BE49-F238E27FC236}">
+                <a16:creationId xmlns:a16="http://schemas.microsoft.com/office/drawing/2014/main" id="{B6ACDDC2-C496-4643-9844-CF35679F1F1D}"/>
+              </a:ext>
+            </a:extLst>
+          </p:cNvPr>
+          <p:cNvSpPr txBox="1"/>
+          <p:nvPr/>
+        </p:nvSpPr>
+        <p:spPr>
+          <a:xfrm>
+            <a:off x="173745" y="6704112"/>
+            <a:ext cx="11410766" cy="153888"/>
+          </a:xfrm>
+          <a:prstGeom prst="rect">
+            <a:avLst/>
+          </a:prstGeom>
+          <a:noFill/>
+        </p:spPr>
+        <p:txBody>
+          <a:bodyPr wrap="square" rtlCol="0">
+            <a:spAutoFit/>
+          </a:bodyPr>
+          <a:lstStyle/>
+          <a:p>
+            <a:r>
+              <a:rPr lang="hu-HU" sz="400" dirty="0"/>
+              <a:t>Most a havi bérlés csak 340.000 Ft (az ár nem alkuképes (és az áfát nem tartalmazza))</a:t>
+            </a:r>
+          </a:p>
+        </p:txBody>
+      </p:sp>
     </p:spTree>
     <p:extLst>
       <p:ext uri="{BB962C8B-B14F-4D97-AF65-F5344CB8AC3E}">
@@ -9008,13 +9121,13 @@
   <p:clrMapOvr>
     <a:masterClrMapping/>
   </p:clrMapOvr>
-  <mc:AlternateContent xmlns:mc="http://schemas.openxmlformats.org/markup-compatibility/2006">
-    <mc:Choice xmlns:p15="http://schemas.microsoft.com/office/powerpoint/2012/main" Requires="p15">
+  <mc:AlternateContent xmlns:mc="http://schemas.openxmlformats.org/markup-compatibility/2006" xmlns:p15="http://schemas.microsoft.com/office/powerpoint/2012/main">
+    <mc:Choice Requires="p15">
       <p:transition xmlns:p14="http://schemas.microsoft.com/office/powerpoint/2010/main" spd="slow" p14:dur="8000">
         <p15:prstTrans prst="origami"/>
       </p:transition>
     </mc:Choice>
-    <mc:Fallback>
+    <mc:Fallback xmlns="">
       <p:transition spd="slow">
         <p:fade/>
       </p:transition>
@@ -9378,87 +9491,6 @@
                                   </p:childTnLst>
                                 </p:cTn>
                               </p:par>
-                              <p:par>
-                                <p:cTn id="21" presetID="45" presetClass="entr" presetSubtype="0" fill="hold" nodeType="withEffect">
-                                  <p:stCondLst>
-                                    <p:cond delay="0"/>
-                                  </p:stCondLst>
-                                  <p:childTnLst>
-                                    <p:set>
-                                      <p:cBhvr>
-                                        <p:cTn id="22" dur="1" fill="hold">
-                                          <p:stCondLst>
-                                            <p:cond delay="0"/>
-                                          </p:stCondLst>
-                                        </p:cTn>
-                                        <p:tgtEl>
-                                          <p:spTgt spid="5"/>
-                                        </p:tgtEl>
-                                        <p:attrNameLst>
-                                          <p:attrName>style.visibility</p:attrName>
-                                        </p:attrNameLst>
-                                      </p:cBhvr>
-                                      <p:to>
-                                        <p:strVal val="visible"/>
-                                      </p:to>
-                                    </p:set>
-                                    <p:animEffect transition="in" filter="fade">
-                                      <p:cBhvr>
-                                        <p:cTn id="23" dur="7000"/>
-                                        <p:tgtEl>
-                                          <p:spTgt spid="5"/>
-                                        </p:tgtEl>
-                                      </p:cBhvr>
-                                    </p:animEffect>
-                                    <p:anim calcmode="lin" valueType="num">
-                                      <p:cBhvr>
-                                        <p:cTn id="24" dur="7000" fill="hold"/>
-                                        <p:tgtEl>
-                                          <p:spTgt spid="5"/>
-                                        </p:tgtEl>
-                                        <p:attrNameLst>
-                                          <p:attrName>ppt_w</p:attrName>
-                                        </p:attrNameLst>
-                                      </p:cBhvr>
-                                      <p:tavLst>
-                                        <p:tav tm="0" fmla="#ppt_w*sin(2.5*pi*$)">
-                                          <p:val>
-                                            <p:fltVal val="0"/>
-                                          </p:val>
-                                        </p:tav>
-                                        <p:tav tm="100000">
-                                          <p:val>
-                                            <p:fltVal val="1"/>
-                                          </p:val>
-                                        </p:tav>
-                                      </p:tavLst>
-                                    </p:anim>
-                                    <p:anim calcmode="lin" valueType="num">
-                                      <p:cBhvr>
-                                        <p:cTn id="25" dur="7000" fill="hold"/>
-                                        <p:tgtEl>
-                                          <p:spTgt spid="5"/>
-                                        </p:tgtEl>
-                                        <p:attrNameLst>
-                                          <p:attrName>ppt_h</p:attrName>
-                                        </p:attrNameLst>
-                                      </p:cBhvr>
-                                      <p:tavLst>
-                                        <p:tav tm="0">
-                                          <p:val>
-                                            <p:strVal val="#ppt_h"/>
-                                          </p:val>
-                                        </p:tav>
-                                        <p:tav tm="100000">
-                                          <p:val>
-                                            <p:strVal val="#ppt_h"/>
-                                          </p:val>
-                                        </p:tav>
-                                      </p:tavLst>
-                                    </p:anim>
-                                  </p:childTnLst>
-                                </p:cTn>
-                              </p:par>
                             </p:childTnLst>
                           </p:cTn>
                         </p:par>
@@ -9466,26 +9498,26 @@
                     </p:cTn>
                   </p:par>
                   <p:par>
-                    <p:cTn id="26" fill="hold">
+                    <p:cTn id="21" fill="hold">
                       <p:stCondLst>
                         <p:cond delay="indefinite"/>
                       </p:stCondLst>
                       <p:childTnLst>
                         <p:par>
-                          <p:cTn id="27" fill="hold">
+                          <p:cTn id="22" fill="hold">
                             <p:stCondLst>
                               <p:cond delay="0"/>
                             </p:stCondLst>
                             <p:childTnLst>
                               <p:par>
-                                <p:cTn id="28" presetID="26" presetClass="entr" presetSubtype="0" fill="hold" grpId="0" nodeType="clickEffect">
+                                <p:cTn id="23" presetID="26" presetClass="entr" presetSubtype="0" fill="hold" grpId="0" nodeType="clickEffect">
                                   <p:stCondLst>
                                     <p:cond delay="0"/>
                                   </p:stCondLst>
                                   <p:childTnLst>
                                     <p:set>
                                       <p:cBhvr>
-                                        <p:cTn id="29" dur="1" fill="hold">
+                                        <p:cTn id="24" dur="1" fill="hold">
                                           <p:stCondLst>
                                             <p:cond delay="0"/>
                                           </p:stCondLst>
@@ -9493,7 +9525,7 @@
                                         <p:tgtEl>
                                           <p:spTgt spid="3">
                                             <p:txEl>
-                                              <p:pRg st="2" end="2"/>
+                                              <p:pRg st="1" end="1"/>
                                             </p:txEl>
                                           </p:spTgt>
                                         </p:tgtEl>
@@ -9507,7 +9539,7 @@
                                     </p:set>
                                     <p:animEffect transition="in" filter="wipe(down)">
                                       <p:cBhvr>
-                                        <p:cTn id="30" dur="580">
+                                        <p:cTn id="25" dur="580">
                                           <p:stCondLst>
                                             <p:cond delay="0"/>
                                           </p:stCondLst>
@@ -9515,7 +9547,7 @@
                                         <p:tgtEl>
                                           <p:spTgt spid="3">
                                             <p:txEl>
-                                              <p:pRg st="2" end="2"/>
+                                              <p:pRg st="1" end="1"/>
                                             </p:txEl>
                                           </p:spTgt>
                                         </p:tgtEl>
@@ -9523,7 +9555,7 @@
                                     </p:animEffect>
                                     <p:anim calcmode="lin" valueType="num">
                                       <p:cBhvr>
-                                        <p:cTn id="31" dur="1822" tmFilter="0,0; 0.14,0.36; 0.43,0.73; 0.71,0.91; 1.0,1.0">
+                                        <p:cTn id="26" dur="1822" tmFilter="0,0; 0.14,0.36; 0.43,0.73; 0.71,0.91; 1.0,1.0">
                                           <p:stCondLst>
                                             <p:cond delay="0"/>
                                           </p:stCondLst>
@@ -9531,7 +9563,7 @@
                                         <p:tgtEl>
                                           <p:spTgt spid="3">
                                             <p:txEl>
-                                              <p:pRg st="2" end="2"/>
+                                              <p:pRg st="1" end="1"/>
                                             </p:txEl>
                                           </p:spTgt>
                                         </p:tgtEl>
@@ -9554,7 +9586,7 @@
                                     </p:anim>
                                     <p:anim calcmode="lin" valueType="num">
                                       <p:cBhvr>
-                                        <p:cTn id="32" dur="664" tmFilter="0.0,0.0; 0.25,0.07; 0.50,0.2; 0.75,0.467; 1.0,1.0">
+                                        <p:cTn id="27" dur="664" tmFilter="0.0,0.0; 0.25,0.07; 0.50,0.2; 0.75,0.467; 1.0,1.0">
                                           <p:stCondLst>
                                             <p:cond delay="0"/>
                                           </p:stCondLst>
@@ -9562,7 +9594,7 @@
                                         <p:tgtEl>
                                           <p:spTgt spid="3">
                                             <p:txEl>
-                                              <p:pRg st="2" end="2"/>
+                                              <p:pRg st="1" end="1"/>
                                             </p:txEl>
                                           </p:spTgt>
                                         </p:tgtEl>
@@ -9585,7 +9617,7 @@
                                     </p:anim>
                                     <p:anim calcmode="lin" valueType="num">
                                       <p:cBhvr>
-                                        <p:cTn id="33" dur="664" tmFilter="0, 0; 0.125,0.2665; 0.25,0.4; 0.375,0.465; 0.5,0.5;  0.625,0.535; 0.75,0.6; 0.875,0.7335; 1,1">
+                                        <p:cTn id="28" dur="664" tmFilter="0, 0; 0.125,0.2665; 0.25,0.4; 0.375,0.465; 0.5,0.5;  0.625,0.535; 0.75,0.6; 0.875,0.7335; 1,1">
                                           <p:stCondLst>
                                             <p:cond delay="664"/>
                                           </p:stCondLst>
@@ -9593,7 +9625,7 @@
                                         <p:tgtEl>
                                           <p:spTgt spid="3">
                                             <p:txEl>
-                                              <p:pRg st="2" end="2"/>
+                                              <p:pRg st="1" end="1"/>
                                             </p:txEl>
                                           </p:spTgt>
                                         </p:tgtEl>
@@ -9616,7 +9648,7 @@
                                     </p:anim>
                                     <p:anim calcmode="lin" valueType="num">
                                       <p:cBhvr>
-                                        <p:cTn id="34" dur="332" tmFilter="0, 0; 0.125,0.2665; 0.25,0.4; 0.375,0.465; 0.5,0.5;  0.625,0.535; 0.75,0.6; 0.875,0.7335; 1,1">
+                                        <p:cTn id="29" dur="332" tmFilter="0, 0; 0.125,0.2665; 0.25,0.4; 0.375,0.465; 0.5,0.5;  0.625,0.535; 0.75,0.6; 0.875,0.7335; 1,1">
                                           <p:stCondLst>
                                             <p:cond delay="1324"/>
                                           </p:stCondLst>
@@ -9624,7 +9656,7 @@
                                         <p:tgtEl>
                                           <p:spTgt spid="3">
                                             <p:txEl>
-                                              <p:pRg st="2" end="2"/>
+                                              <p:pRg st="1" end="1"/>
                                             </p:txEl>
                                           </p:spTgt>
                                         </p:tgtEl>
@@ -9647,7 +9679,7 @@
                                     </p:anim>
                                     <p:anim calcmode="lin" valueType="num">
                                       <p:cBhvr>
-                                        <p:cTn id="35" dur="164" tmFilter="0, 0; 0.125,0.2665; 0.25,0.4; 0.375,0.465; 0.5,0.5;  0.625,0.535; 0.75,0.6; 0.875,0.7335; 1,1">
+                                        <p:cTn id="30" dur="164" tmFilter="0, 0; 0.125,0.2665; 0.25,0.4; 0.375,0.465; 0.5,0.5;  0.625,0.535; 0.75,0.6; 0.875,0.7335; 1,1">
                                           <p:stCondLst>
                                             <p:cond delay="1656"/>
                                           </p:stCondLst>
@@ -9655,7 +9687,7 @@
                                         <p:tgtEl>
                                           <p:spTgt spid="3">
                                             <p:txEl>
-                                              <p:pRg st="2" end="2"/>
+                                              <p:pRg st="1" end="1"/>
                                             </p:txEl>
                                           </p:spTgt>
                                         </p:tgtEl>
@@ -9678,7 +9710,7 @@
                                     </p:anim>
                                     <p:animScale>
                                       <p:cBhvr>
-                                        <p:cTn id="36" dur="26">
+                                        <p:cTn id="31" dur="26">
                                           <p:stCondLst>
                                             <p:cond delay="650"/>
                                           </p:stCondLst>
@@ -9686,7 +9718,7 @@
                                         <p:tgtEl>
                                           <p:spTgt spid="3">
                                             <p:txEl>
-                                              <p:pRg st="2" end="2"/>
+                                              <p:pRg st="1" end="1"/>
                                             </p:txEl>
                                           </p:spTgt>
                                         </p:tgtEl>
@@ -9695,7 +9727,7 @@
                                     </p:animScale>
                                     <p:animScale>
                                       <p:cBhvr>
-                                        <p:cTn id="37" dur="166" decel="50000">
+                                        <p:cTn id="32" dur="166" decel="50000">
                                           <p:stCondLst>
                                             <p:cond delay="676"/>
                                           </p:stCondLst>
@@ -9703,7 +9735,7 @@
                                         <p:tgtEl>
                                           <p:spTgt spid="3">
                                             <p:txEl>
-                                              <p:pRg st="2" end="2"/>
+                                              <p:pRg st="1" end="1"/>
                                             </p:txEl>
                                           </p:spTgt>
                                         </p:tgtEl>
@@ -9712,7 +9744,7 @@
                                     </p:animScale>
                                     <p:animScale>
                                       <p:cBhvr>
-                                        <p:cTn id="38" dur="26">
+                                        <p:cTn id="33" dur="26">
                                           <p:stCondLst>
                                             <p:cond delay="1312"/>
                                           </p:stCondLst>
@@ -9720,7 +9752,7 @@
                                         <p:tgtEl>
                                           <p:spTgt spid="3">
                                             <p:txEl>
-                                              <p:pRg st="2" end="2"/>
+                                              <p:pRg st="1" end="1"/>
                                             </p:txEl>
                                           </p:spTgt>
                                         </p:tgtEl>
@@ -9729,7 +9761,7 @@
                                     </p:animScale>
                                     <p:animScale>
                                       <p:cBhvr>
-                                        <p:cTn id="39" dur="166" decel="50000">
+                                        <p:cTn id="34" dur="166" decel="50000">
                                           <p:stCondLst>
                                             <p:cond delay="1338"/>
                                           </p:stCondLst>
@@ -9737,7 +9769,7 @@
                                         <p:tgtEl>
                                           <p:spTgt spid="3">
                                             <p:txEl>
-                                              <p:pRg st="2" end="2"/>
+                                              <p:pRg st="1" end="1"/>
                                             </p:txEl>
                                           </p:spTgt>
                                         </p:tgtEl>
@@ -9746,7 +9778,7 @@
                                     </p:animScale>
                                     <p:animScale>
                                       <p:cBhvr>
-                                        <p:cTn id="40" dur="26">
+                                        <p:cTn id="35" dur="26">
                                           <p:stCondLst>
                                             <p:cond delay="1642"/>
                                           </p:stCondLst>
@@ -9754,7 +9786,7 @@
                                         <p:tgtEl>
                                           <p:spTgt spid="3">
                                             <p:txEl>
-                                              <p:pRg st="2" end="2"/>
+                                              <p:pRg st="1" end="1"/>
                                             </p:txEl>
                                           </p:spTgt>
                                         </p:tgtEl>
@@ -9763,7 +9795,7 @@
                                     </p:animScale>
                                     <p:animScale>
                                       <p:cBhvr>
-                                        <p:cTn id="41" dur="166" decel="50000">
+                                        <p:cTn id="36" dur="166" decel="50000">
                                           <p:stCondLst>
                                             <p:cond delay="1668"/>
                                           </p:stCondLst>
@@ -9771,7 +9803,7 @@
                                         <p:tgtEl>
                                           <p:spTgt spid="3">
                                             <p:txEl>
-                                              <p:pRg st="2" end="2"/>
+                                              <p:pRg st="1" end="1"/>
                                             </p:txEl>
                                           </p:spTgt>
                                         </p:tgtEl>
@@ -9780,7 +9812,7 @@
                                     </p:animScale>
                                     <p:animScale>
                                       <p:cBhvr>
-                                        <p:cTn id="42" dur="26">
+                                        <p:cTn id="37" dur="26">
                                           <p:stCondLst>
                                             <p:cond delay="1808"/>
                                           </p:stCondLst>
@@ -9788,7 +9820,7 @@
                                         <p:tgtEl>
                                           <p:spTgt spid="3">
                                             <p:txEl>
-                                              <p:pRg st="2" end="2"/>
+                                              <p:pRg st="1" end="1"/>
                                             </p:txEl>
                                           </p:spTgt>
                                         </p:tgtEl>
@@ -9797,7 +9829,7 @@
                                     </p:animScale>
                                     <p:animScale>
                                       <p:cBhvr>
-                                        <p:cTn id="43" dur="166" decel="50000">
+                                        <p:cTn id="38" dur="166" decel="50000">
                                           <p:stCondLst>
                                             <p:cond delay="1834"/>
                                           </p:stCondLst>
@@ -9805,7 +9837,7 @@
                                         <p:tgtEl>
                                           <p:spTgt spid="3">
                                             <p:txEl>
-                                              <p:pRg st="2" end="2"/>
+                                              <p:pRg st="1" end="1"/>
                                             </p:txEl>
                                           </p:spTgt>
                                         </p:tgtEl>
@@ -9822,26 +9854,26 @@
                     </p:cTn>
                   </p:par>
                   <p:par>
-                    <p:cTn id="44" fill="hold">
+                    <p:cTn id="39" fill="hold">
                       <p:stCondLst>
                         <p:cond delay="indefinite"/>
                       </p:stCondLst>
                       <p:childTnLst>
                         <p:par>
-                          <p:cTn id="45" fill="hold">
+                          <p:cTn id="40" fill="hold">
                             <p:stCondLst>
                               <p:cond delay="0"/>
                             </p:stCondLst>
                             <p:childTnLst>
                               <p:par>
-                                <p:cTn id="46" presetID="26" presetClass="entr" presetSubtype="0" fill="hold" grpId="0" nodeType="clickEffect">
+                                <p:cTn id="41" presetID="26" presetClass="entr" presetSubtype="0" fill="hold" grpId="0" nodeType="clickEffect">
                                   <p:stCondLst>
                                     <p:cond delay="0"/>
                                   </p:stCondLst>
                                   <p:childTnLst>
                                     <p:set>
                                       <p:cBhvr>
-                                        <p:cTn id="47" dur="1" fill="hold">
+                                        <p:cTn id="42" dur="1" fill="hold">
                                           <p:stCondLst>
                                             <p:cond delay="0"/>
                                           </p:stCondLst>
@@ -9849,7 +9881,7 @@
                                         <p:tgtEl>
                                           <p:spTgt spid="3">
                                             <p:txEl>
-                                              <p:pRg st="4" end="4"/>
+                                              <p:pRg st="2" end="2"/>
                                             </p:txEl>
                                           </p:spTgt>
                                         </p:tgtEl>
@@ -9863,7 +9895,7 @@
                                     </p:set>
                                     <p:animEffect transition="in" filter="wipe(down)">
                                       <p:cBhvr>
-                                        <p:cTn id="48" dur="580">
+                                        <p:cTn id="43" dur="580">
                                           <p:stCondLst>
                                             <p:cond delay="0"/>
                                           </p:stCondLst>
@@ -9871,7 +9903,7 @@
                                         <p:tgtEl>
                                           <p:spTgt spid="3">
                                             <p:txEl>
-                                              <p:pRg st="4" end="4"/>
+                                              <p:pRg st="2" end="2"/>
                                             </p:txEl>
                                           </p:spTgt>
                                         </p:tgtEl>
@@ -9879,7 +9911,7 @@
                                     </p:animEffect>
                                     <p:anim calcmode="lin" valueType="num">
                                       <p:cBhvr>
-                                        <p:cTn id="49" dur="1822" tmFilter="0,0; 0.14,0.36; 0.43,0.73; 0.71,0.91; 1.0,1.0">
+                                        <p:cTn id="44" dur="1822" tmFilter="0,0; 0.14,0.36; 0.43,0.73; 0.71,0.91; 1.0,1.0">
                                           <p:stCondLst>
                                             <p:cond delay="0"/>
                                           </p:stCondLst>
@@ -9887,7 +9919,7 @@
                                         <p:tgtEl>
                                           <p:spTgt spid="3">
                                             <p:txEl>
-                                              <p:pRg st="4" end="4"/>
+                                              <p:pRg st="2" end="2"/>
                                             </p:txEl>
                                           </p:spTgt>
                                         </p:tgtEl>
@@ -9910,7 +9942,7 @@
                                     </p:anim>
                                     <p:anim calcmode="lin" valueType="num">
                                       <p:cBhvr>
-                                        <p:cTn id="50" dur="664" tmFilter="0.0,0.0; 0.25,0.07; 0.50,0.2; 0.75,0.467; 1.0,1.0">
+                                        <p:cTn id="45" dur="664" tmFilter="0.0,0.0; 0.25,0.07; 0.50,0.2; 0.75,0.467; 1.0,1.0">
                                           <p:stCondLst>
                                             <p:cond delay="0"/>
                                           </p:stCondLst>
@@ -9918,7 +9950,7 @@
                                         <p:tgtEl>
                                           <p:spTgt spid="3">
                                             <p:txEl>
-                                              <p:pRg st="4" end="4"/>
+                                              <p:pRg st="2" end="2"/>
                                             </p:txEl>
                                           </p:spTgt>
                                         </p:tgtEl>
@@ -9941,7 +9973,7 @@
                                     </p:anim>
                                     <p:anim calcmode="lin" valueType="num">
                                       <p:cBhvr>
-                                        <p:cTn id="51" dur="664" tmFilter="0, 0; 0.125,0.2665; 0.25,0.4; 0.375,0.465; 0.5,0.5;  0.625,0.535; 0.75,0.6; 0.875,0.7335; 1,1">
+                                        <p:cTn id="46" dur="664" tmFilter="0, 0; 0.125,0.2665; 0.25,0.4; 0.375,0.465; 0.5,0.5;  0.625,0.535; 0.75,0.6; 0.875,0.7335; 1,1">
                                           <p:stCondLst>
                                             <p:cond delay="664"/>
                                           </p:stCondLst>
@@ -9949,7 +9981,7 @@
                                         <p:tgtEl>
                                           <p:spTgt spid="3">
                                             <p:txEl>
-                                              <p:pRg st="4" end="4"/>
+                                              <p:pRg st="2" end="2"/>
                                             </p:txEl>
                                           </p:spTgt>
                                         </p:tgtEl>
@@ -9972,7 +10004,7 @@
                                     </p:anim>
                                     <p:anim calcmode="lin" valueType="num">
                                       <p:cBhvr>
-                                        <p:cTn id="52" dur="332" tmFilter="0, 0; 0.125,0.2665; 0.25,0.4; 0.375,0.465; 0.5,0.5;  0.625,0.535; 0.75,0.6; 0.875,0.7335; 1,1">
+                                        <p:cTn id="47" dur="332" tmFilter="0, 0; 0.125,0.2665; 0.25,0.4; 0.375,0.465; 0.5,0.5;  0.625,0.535; 0.75,0.6; 0.875,0.7335; 1,1">
                                           <p:stCondLst>
                                             <p:cond delay="1324"/>
                                           </p:stCondLst>
@@ -9980,7 +10012,7 @@
                                         <p:tgtEl>
                                           <p:spTgt spid="3">
                                             <p:txEl>
-                                              <p:pRg st="4" end="4"/>
+                                              <p:pRg st="2" end="2"/>
                                             </p:txEl>
                                           </p:spTgt>
                                         </p:tgtEl>
@@ -10003,7 +10035,7 @@
                                     </p:anim>
                                     <p:anim calcmode="lin" valueType="num">
                                       <p:cBhvr>
-                                        <p:cTn id="53" dur="164" tmFilter="0, 0; 0.125,0.2665; 0.25,0.4; 0.375,0.465; 0.5,0.5;  0.625,0.535; 0.75,0.6; 0.875,0.7335; 1,1">
+                                        <p:cTn id="48" dur="164" tmFilter="0, 0; 0.125,0.2665; 0.25,0.4; 0.375,0.465; 0.5,0.5;  0.625,0.535; 0.75,0.6; 0.875,0.7335; 1,1">
                                           <p:stCondLst>
                                             <p:cond delay="1656"/>
                                           </p:stCondLst>
@@ -10011,7 +10043,7 @@
                                         <p:tgtEl>
                                           <p:spTgt spid="3">
                                             <p:txEl>
-                                              <p:pRg st="4" end="4"/>
+                                              <p:pRg st="2" end="2"/>
                                             </p:txEl>
                                           </p:spTgt>
                                         </p:tgtEl>
@@ -10034,7 +10066,7 @@
                                     </p:anim>
                                     <p:animScale>
                                       <p:cBhvr>
-                                        <p:cTn id="54" dur="26">
+                                        <p:cTn id="49" dur="26">
                                           <p:stCondLst>
                                             <p:cond delay="650"/>
                                           </p:stCondLst>
@@ -10042,7 +10074,7 @@
                                         <p:tgtEl>
                                           <p:spTgt spid="3">
                                             <p:txEl>
-                                              <p:pRg st="4" end="4"/>
+                                              <p:pRg st="2" end="2"/>
                                             </p:txEl>
                                           </p:spTgt>
                                         </p:tgtEl>
@@ -10051,7 +10083,7 @@
                                     </p:animScale>
                                     <p:animScale>
                                       <p:cBhvr>
-                                        <p:cTn id="55" dur="166" decel="50000">
+                                        <p:cTn id="50" dur="166" decel="50000">
                                           <p:stCondLst>
                                             <p:cond delay="676"/>
                                           </p:stCondLst>
@@ -10059,7 +10091,7 @@
                                         <p:tgtEl>
                                           <p:spTgt spid="3">
                                             <p:txEl>
-                                              <p:pRg st="4" end="4"/>
+                                              <p:pRg st="2" end="2"/>
                                             </p:txEl>
                                           </p:spTgt>
                                         </p:tgtEl>
@@ -10068,7 +10100,7 @@
                                     </p:animScale>
                                     <p:animScale>
                                       <p:cBhvr>
-                                        <p:cTn id="56" dur="26">
+                                        <p:cTn id="51" dur="26">
                                           <p:stCondLst>
                                             <p:cond delay="1312"/>
                                           </p:stCondLst>
@@ -10076,7 +10108,7 @@
                                         <p:tgtEl>
                                           <p:spTgt spid="3">
                                             <p:txEl>
-                                              <p:pRg st="4" end="4"/>
+                                              <p:pRg st="2" end="2"/>
                                             </p:txEl>
                                           </p:spTgt>
                                         </p:tgtEl>
@@ -10085,7 +10117,7 @@
                                     </p:animScale>
                                     <p:animScale>
                                       <p:cBhvr>
-                                        <p:cTn id="57" dur="166" decel="50000">
+                                        <p:cTn id="52" dur="166" decel="50000">
                                           <p:stCondLst>
                                             <p:cond delay="1338"/>
                                           </p:stCondLst>
@@ -10093,7 +10125,7 @@
                                         <p:tgtEl>
                                           <p:spTgt spid="3">
                                             <p:txEl>
-                                              <p:pRg st="4" end="4"/>
+                                              <p:pRg st="2" end="2"/>
                                             </p:txEl>
                                           </p:spTgt>
                                         </p:tgtEl>
@@ -10102,7 +10134,7 @@
                                     </p:animScale>
                                     <p:animScale>
                                       <p:cBhvr>
-                                        <p:cTn id="58" dur="26">
+                                        <p:cTn id="53" dur="26">
                                           <p:stCondLst>
                                             <p:cond delay="1642"/>
                                           </p:stCondLst>
@@ -10110,7 +10142,7 @@
                                         <p:tgtEl>
                                           <p:spTgt spid="3">
                                             <p:txEl>
-                                              <p:pRg st="4" end="4"/>
+                                              <p:pRg st="2" end="2"/>
                                             </p:txEl>
                                           </p:spTgt>
                                         </p:tgtEl>
@@ -10119,7 +10151,7 @@
                                     </p:animScale>
                                     <p:animScale>
                                       <p:cBhvr>
-                                        <p:cTn id="59" dur="166" decel="50000">
+                                        <p:cTn id="54" dur="166" decel="50000">
                                           <p:stCondLst>
                                             <p:cond delay="1668"/>
                                           </p:stCondLst>
@@ -10127,7 +10159,7 @@
                                         <p:tgtEl>
                                           <p:spTgt spid="3">
                                             <p:txEl>
-                                              <p:pRg st="4" end="4"/>
+                                              <p:pRg st="2" end="2"/>
                                             </p:txEl>
                                           </p:spTgt>
                                         </p:tgtEl>
@@ -10136,7 +10168,7 @@
                                     </p:animScale>
                                     <p:animScale>
                                       <p:cBhvr>
-                                        <p:cTn id="60" dur="26">
+                                        <p:cTn id="55" dur="26">
                                           <p:stCondLst>
                                             <p:cond delay="1808"/>
                                           </p:stCondLst>
@@ -10144,7 +10176,7 @@
                                         <p:tgtEl>
                                           <p:spTgt spid="3">
                                             <p:txEl>
-                                              <p:pRg st="4" end="4"/>
+                                              <p:pRg st="2" end="2"/>
                                             </p:txEl>
                                           </p:spTgt>
                                         </p:tgtEl>
@@ -10153,7 +10185,7 @@
                                     </p:animScale>
                                     <p:animScale>
                                       <p:cBhvr>
-                                        <p:cTn id="61" dur="166" decel="50000">
+                                        <p:cTn id="56" dur="166" decel="50000">
                                           <p:stCondLst>
                                             <p:cond delay="1834"/>
                                           </p:stCondLst>
@@ -10161,13 +10193,1550 @@
                                         <p:tgtEl>
                                           <p:spTgt spid="3">
                                             <p:txEl>
-                                              <p:pRg st="4" end="4"/>
+                                              <p:pRg st="2" end="2"/>
                                             </p:txEl>
                                           </p:spTgt>
                                         </p:tgtEl>
                                       </p:cBhvr>
                                       <p:to x="100000" y="100000"/>
                                     </p:animScale>
+                                  </p:childTnLst>
+                                </p:cTn>
+                              </p:par>
+                            </p:childTnLst>
+                          </p:cTn>
+                        </p:par>
+                      </p:childTnLst>
+                    </p:cTn>
+                  </p:par>
+                  <p:par>
+                    <p:cTn id="57" fill="hold">
+                      <p:stCondLst>
+                        <p:cond delay="indefinite"/>
+                      </p:stCondLst>
+                      <p:childTnLst>
+                        <p:par>
+                          <p:cTn id="58" fill="hold">
+                            <p:stCondLst>
+                              <p:cond delay="0"/>
+                            </p:stCondLst>
+                            <p:childTnLst>
+                              <p:par>
+                                <p:cTn id="59" presetID="26" presetClass="entr" presetSubtype="0" fill="hold" grpId="0" nodeType="clickEffect">
+                                  <p:stCondLst>
+                                    <p:cond delay="0"/>
+                                  </p:stCondLst>
+                                  <p:childTnLst>
+                                    <p:set>
+                                      <p:cBhvr>
+                                        <p:cTn id="60" dur="1" fill="hold">
+                                          <p:stCondLst>
+                                            <p:cond delay="0"/>
+                                          </p:stCondLst>
+                                        </p:cTn>
+                                        <p:tgtEl>
+                                          <p:spTgt spid="3">
+                                            <p:txEl>
+                                              <p:pRg st="3" end="3"/>
+                                            </p:txEl>
+                                          </p:spTgt>
+                                        </p:tgtEl>
+                                        <p:attrNameLst>
+                                          <p:attrName>style.visibility</p:attrName>
+                                        </p:attrNameLst>
+                                      </p:cBhvr>
+                                      <p:to>
+                                        <p:strVal val="visible"/>
+                                      </p:to>
+                                    </p:set>
+                                    <p:animEffect transition="in" filter="wipe(down)">
+                                      <p:cBhvr>
+                                        <p:cTn id="61" dur="580">
+                                          <p:stCondLst>
+                                            <p:cond delay="0"/>
+                                          </p:stCondLst>
+                                        </p:cTn>
+                                        <p:tgtEl>
+                                          <p:spTgt spid="3">
+                                            <p:txEl>
+                                              <p:pRg st="3" end="3"/>
+                                            </p:txEl>
+                                          </p:spTgt>
+                                        </p:tgtEl>
+                                      </p:cBhvr>
+                                    </p:animEffect>
+                                    <p:anim calcmode="lin" valueType="num">
+                                      <p:cBhvr>
+                                        <p:cTn id="62" dur="1822" tmFilter="0,0; 0.14,0.36; 0.43,0.73; 0.71,0.91; 1.0,1.0">
+                                          <p:stCondLst>
+                                            <p:cond delay="0"/>
+                                          </p:stCondLst>
+                                        </p:cTn>
+                                        <p:tgtEl>
+                                          <p:spTgt spid="3">
+                                            <p:txEl>
+                                              <p:pRg st="3" end="3"/>
+                                            </p:txEl>
+                                          </p:spTgt>
+                                        </p:tgtEl>
+                                        <p:attrNameLst>
+                                          <p:attrName>ppt_x</p:attrName>
+                                        </p:attrNameLst>
+                                      </p:cBhvr>
+                                      <p:tavLst>
+                                        <p:tav tm="0">
+                                          <p:val>
+                                            <p:strVal val="#ppt_x-0.25"/>
+                                          </p:val>
+                                        </p:tav>
+                                        <p:tav tm="100000">
+                                          <p:val>
+                                            <p:strVal val="#ppt_x"/>
+                                          </p:val>
+                                        </p:tav>
+                                      </p:tavLst>
+                                    </p:anim>
+                                    <p:anim calcmode="lin" valueType="num">
+                                      <p:cBhvr>
+                                        <p:cTn id="63" dur="664" tmFilter="0.0,0.0; 0.25,0.07; 0.50,0.2; 0.75,0.467; 1.0,1.0">
+                                          <p:stCondLst>
+                                            <p:cond delay="0"/>
+                                          </p:stCondLst>
+                                        </p:cTn>
+                                        <p:tgtEl>
+                                          <p:spTgt spid="3">
+                                            <p:txEl>
+                                              <p:pRg st="3" end="3"/>
+                                            </p:txEl>
+                                          </p:spTgt>
+                                        </p:tgtEl>
+                                        <p:attrNameLst>
+                                          <p:attrName>ppt_y</p:attrName>
+                                        </p:attrNameLst>
+                                      </p:cBhvr>
+                                      <p:tavLst>
+                                        <p:tav tm="0" fmla="#ppt_y-sin(pi*$)/3">
+                                          <p:val>
+                                            <p:fltVal val="0.5"/>
+                                          </p:val>
+                                        </p:tav>
+                                        <p:tav tm="100000">
+                                          <p:val>
+                                            <p:fltVal val="1"/>
+                                          </p:val>
+                                        </p:tav>
+                                      </p:tavLst>
+                                    </p:anim>
+                                    <p:anim calcmode="lin" valueType="num">
+                                      <p:cBhvr>
+                                        <p:cTn id="64" dur="664" tmFilter="0, 0; 0.125,0.2665; 0.25,0.4; 0.375,0.465; 0.5,0.5;  0.625,0.535; 0.75,0.6; 0.875,0.7335; 1,1">
+                                          <p:stCondLst>
+                                            <p:cond delay="664"/>
+                                          </p:stCondLst>
+                                        </p:cTn>
+                                        <p:tgtEl>
+                                          <p:spTgt spid="3">
+                                            <p:txEl>
+                                              <p:pRg st="3" end="3"/>
+                                            </p:txEl>
+                                          </p:spTgt>
+                                        </p:tgtEl>
+                                        <p:attrNameLst>
+                                          <p:attrName>ppt_y</p:attrName>
+                                        </p:attrNameLst>
+                                      </p:cBhvr>
+                                      <p:tavLst>
+                                        <p:tav tm="0" fmla="#ppt_y-sin(pi*$)/9">
+                                          <p:val>
+                                            <p:fltVal val="0"/>
+                                          </p:val>
+                                        </p:tav>
+                                        <p:tav tm="100000">
+                                          <p:val>
+                                            <p:fltVal val="1"/>
+                                          </p:val>
+                                        </p:tav>
+                                      </p:tavLst>
+                                    </p:anim>
+                                    <p:anim calcmode="lin" valueType="num">
+                                      <p:cBhvr>
+                                        <p:cTn id="65" dur="332" tmFilter="0, 0; 0.125,0.2665; 0.25,0.4; 0.375,0.465; 0.5,0.5;  0.625,0.535; 0.75,0.6; 0.875,0.7335; 1,1">
+                                          <p:stCondLst>
+                                            <p:cond delay="1324"/>
+                                          </p:stCondLst>
+                                        </p:cTn>
+                                        <p:tgtEl>
+                                          <p:spTgt spid="3">
+                                            <p:txEl>
+                                              <p:pRg st="3" end="3"/>
+                                            </p:txEl>
+                                          </p:spTgt>
+                                        </p:tgtEl>
+                                        <p:attrNameLst>
+                                          <p:attrName>ppt_y</p:attrName>
+                                        </p:attrNameLst>
+                                      </p:cBhvr>
+                                      <p:tavLst>
+                                        <p:tav tm="0" fmla="#ppt_y-sin(pi*$)/27">
+                                          <p:val>
+                                            <p:fltVal val="0"/>
+                                          </p:val>
+                                        </p:tav>
+                                        <p:tav tm="100000">
+                                          <p:val>
+                                            <p:fltVal val="1"/>
+                                          </p:val>
+                                        </p:tav>
+                                      </p:tavLst>
+                                    </p:anim>
+                                    <p:anim calcmode="lin" valueType="num">
+                                      <p:cBhvr>
+                                        <p:cTn id="66" dur="164" tmFilter="0, 0; 0.125,0.2665; 0.25,0.4; 0.375,0.465; 0.5,0.5;  0.625,0.535; 0.75,0.6; 0.875,0.7335; 1,1">
+                                          <p:stCondLst>
+                                            <p:cond delay="1656"/>
+                                          </p:stCondLst>
+                                        </p:cTn>
+                                        <p:tgtEl>
+                                          <p:spTgt spid="3">
+                                            <p:txEl>
+                                              <p:pRg st="3" end="3"/>
+                                            </p:txEl>
+                                          </p:spTgt>
+                                        </p:tgtEl>
+                                        <p:attrNameLst>
+                                          <p:attrName>ppt_y</p:attrName>
+                                        </p:attrNameLst>
+                                      </p:cBhvr>
+                                      <p:tavLst>
+                                        <p:tav tm="0" fmla="#ppt_y-sin(pi*$)/81">
+                                          <p:val>
+                                            <p:fltVal val="0"/>
+                                          </p:val>
+                                        </p:tav>
+                                        <p:tav tm="100000">
+                                          <p:val>
+                                            <p:fltVal val="1"/>
+                                          </p:val>
+                                        </p:tav>
+                                      </p:tavLst>
+                                    </p:anim>
+                                    <p:animScale>
+                                      <p:cBhvr>
+                                        <p:cTn id="67" dur="26">
+                                          <p:stCondLst>
+                                            <p:cond delay="650"/>
+                                          </p:stCondLst>
+                                        </p:cTn>
+                                        <p:tgtEl>
+                                          <p:spTgt spid="3">
+                                            <p:txEl>
+                                              <p:pRg st="3" end="3"/>
+                                            </p:txEl>
+                                          </p:spTgt>
+                                        </p:tgtEl>
+                                      </p:cBhvr>
+                                      <p:to x="100000" y="60000"/>
+                                    </p:animScale>
+                                    <p:animScale>
+                                      <p:cBhvr>
+                                        <p:cTn id="68" dur="166" decel="50000">
+                                          <p:stCondLst>
+                                            <p:cond delay="676"/>
+                                          </p:stCondLst>
+                                        </p:cTn>
+                                        <p:tgtEl>
+                                          <p:spTgt spid="3">
+                                            <p:txEl>
+                                              <p:pRg st="3" end="3"/>
+                                            </p:txEl>
+                                          </p:spTgt>
+                                        </p:tgtEl>
+                                      </p:cBhvr>
+                                      <p:to x="100000" y="100000"/>
+                                    </p:animScale>
+                                    <p:animScale>
+                                      <p:cBhvr>
+                                        <p:cTn id="69" dur="26">
+                                          <p:stCondLst>
+                                            <p:cond delay="1312"/>
+                                          </p:stCondLst>
+                                        </p:cTn>
+                                        <p:tgtEl>
+                                          <p:spTgt spid="3">
+                                            <p:txEl>
+                                              <p:pRg st="3" end="3"/>
+                                            </p:txEl>
+                                          </p:spTgt>
+                                        </p:tgtEl>
+                                      </p:cBhvr>
+                                      <p:to x="100000" y="80000"/>
+                                    </p:animScale>
+                                    <p:animScale>
+                                      <p:cBhvr>
+                                        <p:cTn id="70" dur="166" decel="50000">
+                                          <p:stCondLst>
+                                            <p:cond delay="1338"/>
+                                          </p:stCondLst>
+                                        </p:cTn>
+                                        <p:tgtEl>
+                                          <p:spTgt spid="3">
+                                            <p:txEl>
+                                              <p:pRg st="3" end="3"/>
+                                            </p:txEl>
+                                          </p:spTgt>
+                                        </p:tgtEl>
+                                      </p:cBhvr>
+                                      <p:to x="100000" y="100000"/>
+                                    </p:animScale>
+                                    <p:animScale>
+                                      <p:cBhvr>
+                                        <p:cTn id="71" dur="26">
+                                          <p:stCondLst>
+                                            <p:cond delay="1642"/>
+                                          </p:stCondLst>
+                                        </p:cTn>
+                                        <p:tgtEl>
+                                          <p:spTgt spid="3">
+                                            <p:txEl>
+                                              <p:pRg st="3" end="3"/>
+                                            </p:txEl>
+                                          </p:spTgt>
+                                        </p:tgtEl>
+                                      </p:cBhvr>
+                                      <p:to x="100000" y="90000"/>
+                                    </p:animScale>
+                                    <p:animScale>
+                                      <p:cBhvr>
+                                        <p:cTn id="72" dur="166" decel="50000">
+                                          <p:stCondLst>
+                                            <p:cond delay="1668"/>
+                                          </p:stCondLst>
+                                        </p:cTn>
+                                        <p:tgtEl>
+                                          <p:spTgt spid="3">
+                                            <p:txEl>
+                                              <p:pRg st="3" end="3"/>
+                                            </p:txEl>
+                                          </p:spTgt>
+                                        </p:tgtEl>
+                                      </p:cBhvr>
+                                      <p:to x="100000" y="100000"/>
+                                    </p:animScale>
+                                    <p:animScale>
+                                      <p:cBhvr>
+                                        <p:cTn id="73" dur="26">
+                                          <p:stCondLst>
+                                            <p:cond delay="1808"/>
+                                          </p:stCondLst>
+                                        </p:cTn>
+                                        <p:tgtEl>
+                                          <p:spTgt spid="3">
+                                            <p:txEl>
+                                              <p:pRg st="3" end="3"/>
+                                            </p:txEl>
+                                          </p:spTgt>
+                                        </p:tgtEl>
+                                      </p:cBhvr>
+                                      <p:to x="100000" y="95000"/>
+                                    </p:animScale>
+                                    <p:animScale>
+                                      <p:cBhvr>
+                                        <p:cTn id="74" dur="166" decel="50000">
+                                          <p:stCondLst>
+                                            <p:cond delay="1834"/>
+                                          </p:stCondLst>
+                                        </p:cTn>
+                                        <p:tgtEl>
+                                          <p:spTgt spid="3">
+                                            <p:txEl>
+                                              <p:pRg st="3" end="3"/>
+                                            </p:txEl>
+                                          </p:spTgt>
+                                        </p:tgtEl>
+                                      </p:cBhvr>
+                                      <p:to x="100000" y="100000"/>
+                                    </p:animScale>
+                                  </p:childTnLst>
+                                </p:cTn>
+                              </p:par>
+                              <p:par>
+                                <p:cTn id="75" presetID="26" presetClass="entr" presetSubtype="0" fill="hold" grpId="0" nodeType="withEffect">
+                                  <p:stCondLst>
+                                    <p:cond delay="0"/>
+                                  </p:stCondLst>
+                                  <p:childTnLst>
+                                    <p:set>
+                                      <p:cBhvr>
+                                        <p:cTn id="76" dur="1" fill="hold">
+                                          <p:stCondLst>
+                                            <p:cond delay="0"/>
+                                          </p:stCondLst>
+                                        </p:cTn>
+                                        <p:tgtEl>
+                                          <p:spTgt spid="3">
+                                            <p:txEl>
+                                              <p:pRg st="4" end="4"/>
+                                            </p:txEl>
+                                          </p:spTgt>
+                                        </p:tgtEl>
+                                        <p:attrNameLst>
+                                          <p:attrName>style.visibility</p:attrName>
+                                        </p:attrNameLst>
+                                      </p:cBhvr>
+                                      <p:to>
+                                        <p:strVal val="visible"/>
+                                      </p:to>
+                                    </p:set>
+                                    <p:animEffect transition="in" filter="wipe(down)">
+                                      <p:cBhvr>
+                                        <p:cTn id="77" dur="580">
+                                          <p:stCondLst>
+                                            <p:cond delay="0"/>
+                                          </p:stCondLst>
+                                        </p:cTn>
+                                        <p:tgtEl>
+                                          <p:spTgt spid="3">
+                                            <p:txEl>
+                                              <p:pRg st="4" end="4"/>
+                                            </p:txEl>
+                                          </p:spTgt>
+                                        </p:tgtEl>
+                                      </p:cBhvr>
+                                    </p:animEffect>
+                                    <p:anim calcmode="lin" valueType="num">
+                                      <p:cBhvr>
+                                        <p:cTn id="78" dur="1822" tmFilter="0,0; 0.14,0.36; 0.43,0.73; 0.71,0.91; 1.0,1.0">
+                                          <p:stCondLst>
+                                            <p:cond delay="0"/>
+                                          </p:stCondLst>
+                                        </p:cTn>
+                                        <p:tgtEl>
+                                          <p:spTgt spid="3">
+                                            <p:txEl>
+                                              <p:pRg st="4" end="4"/>
+                                            </p:txEl>
+                                          </p:spTgt>
+                                        </p:tgtEl>
+                                        <p:attrNameLst>
+                                          <p:attrName>ppt_x</p:attrName>
+                                        </p:attrNameLst>
+                                      </p:cBhvr>
+                                      <p:tavLst>
+                                        <p:tav tm="0">
+                                          <p:val>
+                                            <p:strVal val="#ppt_x-0.25"/>
+                                          </p:val>
+                                        </p:tav>
+                                        <p:tav tm="100000">
+                                          <p:val>
+                                            <p:strVal val="#ppt_x"/>
+                                          </p:val>
+                                        </p:tav>
+                                      </p:tavLst>
+                                    </p:anim>
+                                    <p:anim calcmode="lin" valueType="num">
+                                      <p:cBhvr>
+                                        <p:cTn id="79" dur="664" tmFilter="0.0,0.0; 0.25,0.07; 0.50,0.2; 0.75,0.467; 1.0,1.0">
+                                          <p:stCondLst>
+                                            <p:cond delay="0"/>
+                                          </p:stCondLst>
+                                        </p:cTn>
+                                        <p:tgtEl>
+                                          <p:spTgt spid="3">
+                                            <p:txEl>
+                                              <p:pRg st="4" end="4"/>
+                                            </p:txEl>
+                                          </p:spTgt>
+                                        </p:tgtEl>
+                                        <p:attrNameLst>
+                                          <p:attrName>ppt_y</p:attrName>
+                                        </p:attrNameLst>
+                                      </p:cBhvr>
+                                      <p:tavLst>
+                                        <p:tav tm="0" fmla="#ppt_y-sin(pi*$)/3">
+                                          <p:val>
+                                            <p:fltVal val="0.5"/>
+                                          </p:val>
+                                        </p:tav>
+                                        <p:tav tm="100000">
+                                          <p:val>
+                                            <p:fltVal val="1"/>
+                                          </p:val>
+                                        </p:tav>
+                                      </p:tavLst>
+                                    </p:anim>
+                                    <p:anim calcmode="lin" valueType="num">
+                                      <p:cBhvr>
+                                        <p:cTn id="80" dur="664" tmFilter="0, 0; 0.125,0.2665; 0.25,0.4; 0.375,0.465; 0.5,0.5;  0.625,0.535; 0.75,0.6; 0.875,0.7335; 1,1">
+                                          <p:stCondLst>
+                                            <p:cond delay="664"/>
+                                          </p:stCondLst>
+                                        </p:cTn>
+                                        <p:tgtEl>
+                                          <p:spTgt spid="3">
+                                            <p:txEl>
+                                              <p:pRg st="4" end="4"/>
+                                            </p:txEl>
+                                          </p:spTgt>
+                                        </p:tgtEl>
+                                        <p:attrNameLst>
+                                          <p:attrName>ppt_y</p:attrName>
+                                        </p:attrNameLst>
+                                      </p:cBhvr>
+                                      <p:tavLst>
+                                        <p:tav tm="0" fmla="#ppt_y-sin(pi*$)/9">
+                                          <p:val>
+                                            <p:fltVal val="0"/>
+                                          </p:val>
+                                        </p:tav>
+                                        <p:tav tm="100000">
+                                          <p:val>
+                                            <p:fltVal val="1"/>
+                                          </p:val>
+                                        </p:tav>
+                                      </p:tavLst>
+                                    </p:anim>
+                                    <p:anim calcmode="lin" valueType="num">
+                                      <p:cBhvr>
+                                        <p:cTn id="81" dur="332" tmFilter="0, 0; 0.125,0.2665; 0.25,0.4; 0.375,0.465; 0.5,0.5;  0.625,0.535; 0.75,0.6; 0.875,0.7335; 1,1">
+                                          <p:stCondLst>
+                                            <p:cond delay="1324"/>
+                                          </p:stCondLst>
+                                        </p:cTn>
+                                        <p:tgtEl>
+                                          <p:spTgt spid="3">
+                                            <p:txEl>
+                                              <p:pRg st="4" end="4"/>
+                                            </p:txEl>
+                                          </p:spTgt>
+                                        </p:tgtEl>
+                                        <p:attrNameLst>
+                                          <p:attrName>ppt_y</p:attrName>
+                                        </p:attrNameLst>
+                                      </p:cBhvr>
+                                      <p:tavLst>
+                                        <p:tav tm="0" fmla="#ppt_y-sin(pi*$)/27">
+                                          <p:val>
+                                            <p:fltVal val="0"/>
+                                          </p:val>
+                                        </p:tav>
+                                        <p:tav tm="100000">
+                                          <p:val>
+                                            <p:fltVal val="1"/>
+                                          </p:val>
+                                        </p:tav>
+                                      </p:tavLst>
+                                    </p:anim>
+                                    <p:anim calcmode="lin" valueType="num">
+                                      <p:cBhvr>
+                                        <p:cTn id="82" dur="164" tmFilter="0, 0; 0.125,0.2665; 0.25,0.4; 0.375,0.465; 0.5,0.5;  0.625,0.535; 0.75,0.6; 0.875,0.7335; 1,1">
+                                          <p:stCondLst>
+                                            <p:cond delay="1656"/>
+                                          </p:stCondLst>
+                                        </p:cTn>
+                                        <p:tgtEl>
+                                          <p:spTgt spid="3">
+                                            <p:txEl>
+                                              <p:pRg st="4" end="4"/>
+                                            </p:txEl>
+                                          </p:spTgt>
+                                        </p:tgtEl>
+                                        <p:attrNameLst>
+                                          <p:attrName>ppt_y</p:attrName>
+                                        </p:attrNameLst>
+                                      </p:cBhvr>
+                                      <p:tavLst>
+                                        <p:tav tm="0" fmla="#ppt_y-sin(pi*$)/81">
+                                          <p:val>
+                                            <p:fltVal val="0"/>
+                                          </p:val>
+                                        </p:tav>
+                                        <p:tav tm="100000">
+                                          <p:val>
+                                            <p:fltVal val="1"/>
+                                          </p:val>
+                                        </p:tav>
+                                      </p:tavLst>
+                                    </p:anim>
+                                    <p:animScale>
+                                      <p:cBhvr>
+                                        <p:cTn id="83" dur="26">
+                                          <p:stCondLst>
+                                            <p:cond delay="650"/>
+                                          </p:stCondLst>
+                                        </p:cTn>
+                                        <p:tgtEl>
+                                          <p:spTgt spid="3">
+                                            <p:txEl>
+                                              <p:pRg st="4" end="4"/>
+                                            </p:txEl>
+                                          </p:spTgt>
+                                        </p:tgtEl>
+                                      </p:cBhvr>
+                                      <p:to x="100000" y="60000"/>
+                                    </p:animScale>
+                                    <p:animScale>
+                                      <p:cBhvr>
+                                        <p:cTn id="84" dur="166" decel="50000">
+                                          <p:stCondLst>
+                                            <p:cond delay="676"/>
+                                          </p:stCondLst>
+                                        </p:cTn>
+                                        <p:tgtEl>
+                                          <p:spTgt spid="3">
+                                            <p:txEl>
+                                              <p:pRg st="4" end="4"/>
+                                            </p:txEl>
+                                          </p:spTgt>
+                                        </p:tgtEl>
+                                      </p:cBhvr>
+                                      <p:to x="100000" y="100000"/>
+                                    </p:animScale>
+                                    <p:animScale>
+                                      <p:cBhvr>
+                                        <p:cTn id="85" dur="26">
+                                          <p:stCondLst>
+                                            <p:cond delay="1312"/>
+                                          </p:stCondLst>
+                                        </p:cTn>
+                                        <p:tgtEl>
+                                          <p:spTgt spid="3">
+                                            <p:txEl>
+                                              <p:pRg st="4" end="4"/>
+                                            </p:txEl>
+                                          </p:spTgt>
+                                        </p:tgtEl>
+                                      </p:cBhvr>
+                                      <p:to x="100000" y="80000"/>
+                                    </p:animScale>
+                                    <p:animScale>
+                                      <p:cBhvr>
+                                        <p:cTn id="86" dur="166" decel="50000">
+                                          <p:stCondLst>
+                                            <p:cond delay="1338"/>
+                                          </p:stCondLst>
+                                        </p:cTn>
+                                        <p:tgtEl>
+                                          <p:spTgt spid="3">
+                                            <p:txEl>
+                                              <p:pRg st="4" end="4"/>
+                                            </p:txEl>
+                                          </p:spTgt>
+                                        </p:tgtEl>
+                                      </p:cBhvr>
+                                      <p:to x="100000" y="100000"/>
+                                    </p:animScale>
+                                    <p:animScale>
+                                      <p:cBhvr>
+                                        <p:cTn id="87" dur="26">
+                                          <p:stCondLst>
+                                            <p:cond delay="1642"/>
+                                          </p:stCondLst>
+                                        </p:cTn>
+                                        <p:tgtEl>
+                                          <p:spTgt spid="3">
+                                            <p:txEl>
+                                              <p:pRg st="4" end="4"/>
+                                            </p:txEl>
+                                          </p:spTgt>
+                                        </p:tgtEl>
+                                      </p:cBhvr>
+                                      <p:to x="100000" y="90000"/>
+                                    </p:animScale>
+                                    <p:animScale>
+                                      <p:cBhvr>
+                                        <p:cTn id="88" dur="166" decel="50000">
+                                          <p:stCondLst>
+                                            <p:cond delay="1668"/>
+                                          </p:stCondLst>
+                                        </p:cTn>
+                                        <p:tgtEl>
+                                          <p:spTgt spid="3">
+                                            <p:txEl>
+                                              <p:pRg st="4" end="4"/>
+                                            </p:txEl>
+                                          </p:spTgt>
+                                        </p:tgtEl>
+                                      </p:cBhvr>
+                                      <p:to x="100000" y="100000"/>
+                                    </p:animScale>
+                                    <p:animScale>
+                                      <p:cBhvr>
+                                        <p:cTn id="89" dur="26">
+                                          <p:stCondLst>
+                                            <p:cond delay="1808"/>
+                                          </p:stCondLst>
+                                        </p:cTn>
+                                        <p:tgtEl>
+                                          <p:spTgt spid="3">
+                                            <p:txEl>
+                                              <p:pRg st="4" end="4"/>
+                                            </p:txEl>
+                                          </p:spTgt>
+                                        </p:tgtEl>
+                                      </p:cBhvr>
+                                      <p:to x="100000" y="95000"/>
+                                    </p:animScale>
+                                    <p:animScale>
+                                      <p:cBhvr>
+                                        <p:cTn id="90" dur="166" decel="50000">
+                                          <p:stCondLst>
+                                            <p:cond delay="1834"/>
+                                          </p:stCondLst>
+                                        </p:cTn>
+                                        <p:tgtEl>
+                                          <p:spTgt spid="3">
+                                            <p:txEl>
+                                              <p:pRg st="4" end="4"/>
+                                            </p:txEl>
+                                          </p:spTgt>
+                                        </p:tgtEl>
+                                      </p:cBhvr>
+                                      <p:to x="100000" y="100000"/>
+                                    </p:animScale>
+                                  </p:childTnLst>
+                                </p:cTn>
+                              </p:par>
+                              <p:par>
+                                <p:cTn id="91" presetID="26" presetClass="entr" presetSubtype="0" fill="hold" grpId="0" nodeType="withEffect">
+                                  <p:stCondLst>
+                                    <p:cond delay="0"/>
+                                  </p:stCondLst>
+                                  <p:childTnLst>
+                                    <p:set>
+                                      <p:cBhvr>
+                                        <p:cTn id="92" dur="1" fill="hold">
+                                          <p:stCondLst>
+                                            <p:cond delay="0"/>
+                                          </p:stCondLst>
+                                        </p:cTn>
+                                        <p:tgtEl>
+                                          <p:spTgt spid="3">
+                                            <p:txEl>
+                                              <p:pRg st="5" end="5"/>
+                                            </p:txEl>
+                                          </p:spTgt>
+                                        </p:tgtEl>
+                                        <p:attrNameLst>
+                                          <p:attrName>style.visibility</p:attrName>
+                                        </p:attrNameLst>
+                                      </p:cBhvr>
+                                      <p:to>
+                                        <p:strVal val="visible"/>
+                                      </p:to>
+                                    </p:set>
+                                    <p:animEffect transition="in" filter="wipe(down)">
+                                      <p:cBhvr>
+                                        <p:cTn id="93" dur="580">
+                                          <p:stCondLst>
+                                            <p:cond delay="0"/>
+                                          </p:stCondLst>
+                                        </p:cTn>
+                                        <p:tgtEl>
+                                          <p:spTgt spid="3">
+                                            <p:txEl>
+                                              <p:pRg st="5" end="5"/>
+                                            </p:txEl>
+                                          </p:spTgt>
+                                        </p:tgtEl>
+                                      </p:cBhvr>
+                                    </p:animEffect>
+                                    <p:anim calcmode="lin" valueType="num">
+                                      <p:cBhvr>
+                                        <p:cTn id="94" dur="1822" tmFilter="0,0; 0.14,0.36; 0.43,0.73; 0.71,0.91; 1.0,1.0">
+                                          <p:stCondLst>
+                                            <p:cond delay="0"/>
+                                          </p:stCondLst>
+                                        </p:cTn>
+                                        <p:tgtEl>
+                                          <p:spTgt spid="3">
+                                            <p:txEl>
+                                              <p:pRg st="5" end="5"/>
+                                            </p:txEl>
+                                          </p:spTgt>
+                                        </p:tgtEl>
+                                        <p:attrNameLst>
+                                          <p:attrName>ppt_x</p:attrName>
+                                        </p:attrNameLst>
+                                      </p:cBhvr>
+                                      <p:tavLst>
+                                        <p:tav tm="0">
+                                          <p:val>
+                                            <p:strVal val="#ppt_x-0.25"/>
+                                          </p:val>
+                                        </p:tav>
+                                        <p:tav tm="100000">
+                                          <p:val>
+                                            <p:strVal val="#ppt_x"/>
+                                          </p:val>
+                                        </p:tav>
+                                      </p:tavLst>
+                                    </p:anim>
+                                    <p:anim calcmode="lin" valueType="num">
+                                      <p:cBhvr>
+                                        <p:cTn id="95" dur="664" tmFilter="0.0,0.0; 0.25,0.07; 0.50,0.2; 0.75,0.467; 1.0,1.0">
+                                          <p:stCondLst>
+                                            <p:cond delay="0"/>
+                                          </p:stCondLst>
+                                        </p:cTn>
+                                        <p:tgtEl>
+                                          <p:spTgt spid="3">
+                                            <p:txEl>
+                                              <p:pRg st="5" end="5"/>
+                                            </p:txEl>
+                                          </p:spTgt>
+                                        </p:tgtEl>
+                                        <p:attrNameLst>
+                                          <p:attrName>ppt_y</p:attrName>
+                                        </p:attrNameLst>
+                                      </p:cBhvr>
+                                      <p:tavLst>
+                                        <p:tav tm="0" fmla="#ppt_y-sin(pi*$)/3">
+                                          <p:val>
+                                            <p:fltVal val="0.5"/>
+                                          </p:val>
+                                        </p:tav>
+                                        <p:tav tm="100000">
+                                          <p:val>
+                                            <p:fltVal val="1"/>
+                                          </p:val>
+                                        </p:tav>
+                                      </p:tavLst>
+                                    </p:anim>
+                                    <p:anim calcmode="lin" valueType="num">
+                                      <p:cBhvr>
+                                        <p:cTn id="96" dur="664" tmFilter="0, 0; 0.125,0.2665; 0.25,0.4; 0.375,0.465; 0.5,0.5;  0.625,0.535; 0.75,0.6; 0.875,0.7335; 1,1">
+                                          <p:stCondLst>
+                                            <p:cond delay="664"/>
+                                          </p:stCondLst>
+                                        </p:cTn>
+                                        <p:tgtEl>
+                                          <p:spTgt spid="3">
+                                            <p:txEl>
+                                              <p:pRg st="5" end="5"/>
+                                            </p:txEl>
+                                          </p:spTgt>
+                                        </p:tgtEl>
+                                        <p:attrNameLst>
+                                          <p:attrName>ppt_y</p:attrName>
+                                        </p:attrNameLst>
+                                      </p:cBhvr>
+                                      <p:tavLst>
+                                        <p:tav tm="0" fmla="#ppt_y-sin(pi*$)/9">
+                                          <p:val>
+                                            <p:fltVal val="0"/>
+                                          </p:val>
+                                        </p:tav>
+                                        <p:tav tm="100000">
+                                          <p:val>
+                                            <p:fltVal val="1"/>
+                                          </p:val>
+                                        </p:tav>
+                                      </p:tavLst>
+                                    </p:anim>
+                                    <p:anim calcmode="lin" valueType="num">
+                                      <p:cBhvr>
+                                        <p:cTn id="97" dur="332" tmFilter="0, 0; 0.125,0.2665; 0.25,0.4; 0.375,0.465; 0.5,0.5;  0.625,0.535; 0.75,0.6; 0.875,0.7335; 1,1">
+                                          <p:stCondLst>
+                                            <p:cond delay="1324"/>
+                                          </p:stCondLst>
+                                        </p:cTn>
+                                        <p:tgtEl>
+                                          <p:spTgt spid="3">
+                                            <p:txEl>
+                                              <p:pRg st="5" end="5"/>
+                                            </p:txEl>
+                                          </p:spTgt>
+                                        </p:tgtEl>
+                                        <p:attrNameLst>
+                                          <p:attrName>ppt_y</p:attrName>
+                                        </p:attrNameLst>
+                                      </p:cBhvr>
+                                      <p:tavLst>
+                                        <p:tav tm="0" fmla="#ppt_y-sin(pi*$)/27">
+                                          <p:val>
+                                            <p:fltVal val="0"/>
+                                          </p:val>
+                                        </p:tav>
+                                        <p:tav tm="100000">
+                                          <p:val>
+                                            <p:fltVal val="1"/>
+                                          </p:val>
+                                        </p:tav>
+                                      </p:tavLst>
+                                    </p:anim>
+                                    <p:anim calcmode="lin" valueType="num">
+                                      <p:cBhvr>
+                                        <p:cTn id="98" dur="164" tmFilter="0, 0; 0.125,0.2665; 0.25,0.4; 0.375,0.465; 0.5,0.5;  0.625,0.535; 0.75,0.6; 0.875,0.7335; 1,1">
+                                          <p:stCondLst>
+                                            <p:cond delay="1656"/>
+                                          </p:stCondLst>
+                                        </p:cTn>
+                                        <p:tgtEl>
+                                          <p:spTgt spid="3">
+                                            <p:txEl>
+                                              <p:pRg st="5" end="5"/>
+                                            </p:txEl>
+                                          </p:spTgt>
+                                        </p:tgtEl>
+                                        <p:attrNameLst>
+                                          <p:attrName>ppt_y</p:attrName>
+                                        </p:attrNameLst>
+                                      </p:cBhvr>
+                                      <p:tavLst>
+                                        <p:tav tm="0" fmla="#ppt_y-sin(pi*$)/81">
+                                          <p:val>
+                                            <p:fltVal val="0"/>
+                                          </p:val>
+                                        </p:tav>
+                                        <p:tav tm="100000">
+                                          <p:val>
+                                            <p:fltVal val="1"/>
+                                          </p:val>
+                                        </p:tav>
+                                      </p:tavLst>
+                                    </p:anim>
+                                    <p:animScale>
+                                      <p:cBhvr>
+                                        <p:cTn id="99" dur="26">
+                                          <p:stCondLst>
+                                            <p:cond delay="650"/>
+                                          </p:stCondLst>
+                                        </p:cTn>
+                                        <p:tgtEl>
+                                          <p:spTgt spid="3">
+                                            <p:txEl>
+                                              <p:pRg st="5" end="5"/>
+                                            </p:txEl>
+                                          </p:spTgt>
+                                        </p:tgtEl>
+                                      </p:cBhvr>
+                                      <p:to x="100000" y="60000"/>
+                                    </p:animScale>
+                                    <p:animScale>
+                                      <p:cBhvr>
+                                        <p:cTn id="100" dur="166" decel="50000">
+                                          <p:stCondLst>
+                                            <p:cond delay="676"/>
+                                          </p:stCondLst>
+                                        </p:cTn>
+                                        <p:tgtEl>
+                                          <p:spTgt spid="3">
+                                            <p:txEl>
+                                              <p:pRg st="5" end="5"/>
+                                            </p:txEl>
+                                          </p:spTgt>
+                                        </p:tgtEl>
+                                      </p:cBhvr>
+                                      <p:to x="100000" y="100000"/>
+                                    </p:animScale>
+                                    <p:animScale>
+                                      <p:cBhvr>
+                                        <p:cTn id="101" dur="26">
+                                          <p:stCondLst>
+                                            <p:cond delay="1312"/>
+                                          </p:stCondLst>
+                                        </p:cTn>
+                                        <p:tgtEl>
+                                          <p:spTgt spid="3">
+                                            <p:txEl>
+                                              <p:pRg st="5" end="5"/>
+                                            </p:txEl>
+                                          </p:spTgt>
+                                        </p:tgtEl>
+                                      </p:cBhvr>
+                                      <p:to x="100000" y="80000"/>
+                                    </p:animScale>
+                                    <p:animScale>
+                                      <p:cBhvr>
+                                        <p:cTn id="102" dur="166" decel="50000">
+                                          <p:stCondLst>
+                                            <p:cond delay="1338"/>
+                                          </p:stCondLst>
+                                        </p:cTn>
+                                        <p:tgtEl>
+                                          <p:spTgt spid="3">
+                                            <p:txEl>
+                                              <p:pRg st="5" end="5"/>
+                                            </p:txEl>
+                                          </p:spTgt>
+                                        </p:tgtEl>
+                                      </p:cBhvr>
+                                      <p:to x="100000" y="100000"/>
+                                    </p:animScale>
+                                    <p:animScale>
+                                      <p:cBhvr>
+                                        <p:cTn id="103" dur="26">
+                                          <p:stCondLst>
+                                            <p:cond delay="1642"/>
+                                          </p:stCondLst>
+                                        </p:cTn>
+                                        <p:tgtEl>
+                                          <p:spTgt spid="3">
+                                            <p:txEl>
+                                              <p:pRg st="5" end="5"/>
+                                            </p:txEl>
+                                          </p:spTgt>
+                                        </p:tgtEl>
+                                      </p:cBhvr>
+                                      <p:to x="100000" y="90000"/>
+                                    </p:animScale>
+                                    <p:animScale>
+                                      <p:cBhvr>
+                                        <p:cTn id="104" dur="166" decel="50000">
+                                          <p:stCondLst>
+                                            <p:cond delay="1668"/>
+                                          </p:stCondLst>
+                                        </p:cTn>
+                                        <p:tgtEl>
+                                          <p:spTgt spid="3">
+                                            <p:txEl>
+                                              <p:pRg st="5" end="5"/>
+                                            </p:txEl>
+                                          </p:spTgt>
+                                        </p:tgtEl>
+                                      </p:cBhvr>
+                                      <p:to x="100000" y="100000"/>
+                                    </p:animScale>
+                                    <p:animScale>
+                                      <p:cBhvr>
+                                        <p:cTn id="105" dur="26">
+                                          <p:stCondLst>
+                                            <p:cond delay="1808"/>
+                                          </p:stCondLst>
+                                        </p:cTn>
+                                        <p:tgtEl>
+                                          <p:spTgt spid="3">
+                                            <p:txEl>
+                                              <p:pRg st="5" end="5"/>
+                                            </p:txEl>
+                                          </p:spTgt>
+                                        </p:tgtEl>
+                                      </p:cBhvr>
+                                      <p:to x="100000" y="95000"/>
+                                    </p:animScale>
+                                    <p:animScale>
+                                      <p:cBhvr>
+                                        <p:cTn id="106" dur="166" decel="50000">
+                                          <p:stCondLst>
+                                            <p:cond delay="1834"/>
+                                          </p:stCondLst>
+                                        </p:cTn>
+                                        <p:tgtEl>
+                                          <p:spTgt spid="3">
+                                            <p:txEl>
+                                              <p:pRg st="5" end="5"/>
+                                            </p:txEl>
+                                          </p:spTgt>
+                                        </p:tgtEl>
+                                      </p:cBhvr>
+                                      <p:to x="100000" y="100000"/>
+                                    </p:animScale>
+                                  </p:childTnLst>
+                                </p:cTn>
+                              </p:par>
+                              <p:par>
+                                <p:cTn id="107" presetID="26" presetClass="entr" presetSubtype="0" fill="hold" grpId="0" nodeType="withEffect">
+                                  <p:stCondLst>
+                                    <p:cond delay="0"/>
+                                  </p:stCondLst>
+                                  <p:childTnLst>
+                                    <p:set>
+                                      <p:cBhvr>
+                                        <p:cTn id="108" dur="1" fill="hold">
+                                          <p:stCondLst>
+                                            <p:cond delay="0"/>
+                                          </p:stCondLst>
+                                        </p:cTn>
+                                        <p:tgtEl>
+                                          <p:spTgt spid="3">
+                                            <p:txEl>
+                                              <p:pRg st="6" end="6"/>
+                                            </p:txEl>
+                                          </p:spTgt>
+                                        </p:tgtEl>
+                                        <p:attrNameLst>
+                                          <p:attrName>style.visibility</p:attrName>
+                                        </p:attrNameLst>
+                                      </p:cBhvr>
+                                      <p:to>
+                                        <p:strVal val="visible"/>
+                                      </p:to>
+                                    </p:set>
+                                    <p:animEffect transition="in" filter="wipe(down)">
+                                      <p:cBhvr>
+                                        <p:cTn id="109" dur="580">
+                                          <p:stCondLst>
+                                            <p:cond delay="0"/>
+                                          </p:stCondLst>
+                                        </p:cTn>
+                                        <p:tgtEl>
+                                          <p:spTgt spid="3">
+                                            <p:txEl>
+                                              <p:pRg st="6" end="6"/>
+                                            </p:txEl>
+                                          </p:spTgt>
+                                        </p:tgtEl>
+                                      </p:cBhvr>
+                                    </p:animEffect>
+                                    <p:anim calcmode="lin" valueType="num">
+                                      <p:cBhvr>
+                                        <p:cTn id="110" dur="1822" tmFilter="0,0; 0.14,0.36; 0.43,0.73; 0.71,0.91; 1.0,1.0">
+                                          <p:stCondLst>
+                                            <p:cond delay="0"/>
+                                          </p:stCondLst>
+                                        </p:cTn>
+                                        <p:tgtEl>
+                                          <p:spTgt spid="3">
+                                            <p:txEl>
+                                              <p:pRg st="6" end="6"/>
+                                            </p:txEl>
+                                          </p:spTgt>
+                                        </p:tgtEl>
+                                        <p:attrNameLst>
+                                          <p:attrName>ppt_x</p:attrName>
+                                        </p:attrNameLst>
+                                      </p:cBhvr>
+                                      <p:tavLst>
+                                        <p:tav tm="0">
+                                          <p:val>
+                                            <p:strVal val="#ppt_x-0.25"/>
+                                          </p:val>
+                                        </p:tav>
+                                        <p:tav tm="100000">
+                                          <p:val>
+                                            <p:strVal val="#ppt_x"/>
+                                          </p:val>
+                                        </p:tav>
+                                      </p:tavLst>
+                                    </p:anim>
+                                    <p:anim calcmode="lin" valueType="num">
+                                      <p:cBhvr>
+                                        <p:cTn id="111" dur="664" tmFilter="0.0,0.0; 0.25,0.07; 0.50,0.2; 0.75,0.467; 1.0,1.0">
+                                          <p:stCondLst>
+                                            <p:cond delay="0"/>
+                                          </p:stCondLst>
+                                        </p:cTn>
+                                        <p:tgtEl>
+                                          <p:spTgt spid="3">
+                                            <p:txEl>
+                                              <p:pRg st="6" end="6"/>
+                                            </p:txEl>
+                                          </p:spTgt>
+                                        </p:tgtEl>
+                                        <p:attrNameLst>
+                                          <p:attrName>ppt_y</p:attrName>
+                                        </p:attrNameLst>
+                                      </p:cBhvr>
+                                      <p:tavLst>
+                                        <p:tav tm="0" fmla="#ppt_y-sin(pi*$)/3">
+                                          <p:val>
+                                            <p:fltVal val="0.5"/>
+                                          </p:val>
+                                        </p:tav>
+                                        <p:tav tm="100000">
+                                          <p:val>
+                                            <p:fltVal val="1"/>
+                                          </p:val>
+                                        </p:tav>
+                                      </p:tavLst>
+                                    </p:anim>
+                                    <p:anim calcmode="lin" valueType="num">
+                                      <p:cBhvr>
+                                        <p:cTn id="112" dur="664" tmFilter="0, 0; 0.125,0.2665; 0.25,0.4; 0.375,0.465; 0.5,0.5;  0.625,0.535; 0.75,0.6; 0.875,0.7335; 1,1">
+                                          <p:stCondLst>
+                                            <p:cond delay="664"/>
+                                          </p:stCondLst>
+                                        </p:cTn>
+                                        <p:tgtEl>
+                                          <p:spTgt spid="3">
+                                            <p:txEl>
+                                              <p:pRg st="6" end="6"/>
+                                            </p:txEl>
+                                          </p:spTgt>
+                                        </p:tgtEl>
+                                        <p:attrNameLst>
+                                          <p:attrName>ppt_y</p:attrName>
+                                        </p:attrNameLst>
+                                      </p:cBhvr>
+                                      <p:tavLst>
+                                        <p:tav tm="0" fmla="#ppt_y-sin(pi*$)/9">
+                                          <p:val>
+                                            <p:fltVal val="0"/>
+                                          </p:val>
+                                        </p:tav>
+                                        <p:tav tm="100000">
+                                          <p:val>
+                                            <p:fltVal val="1"/>
+                                          </p:val>
+                                        </p:tav>
+                                      </p:tavLst>
+                                    </p:anim>
+                                    <p:anim calcmode="lin" valueType="num">
+                                      <p:cBhvr>
+                                        <p:cTn id="113" dur="332" tmFilter="0, 0; 0.125,0.2665; 0.25,0.4; 0.375,0.465; 0.5,0.5;  0.625,0.535; 0.75,0.6; 0.875,0.7335; 1,1">
+                                          <p:stCondLst>
+                                            <p:cond delay="1324"/>
+                                          </p:stCondLst>
+                                        </p:cTn>
+                                        <p:tgtEl>
+                                          <p:spTgt spid="3">
+                                            <p:txEl>
+                                              <p:pRg st="6" end="6"/>
+                                            </p:txEl>
+                                          </p:spTgt>
+                                        </p:tgtEl>
+                                        <p:attrNameLst>
+                                          <p:attrName>ppt_y</p:attrName>
+                                        </p:attrNameLst>
+                                      </p:cBhvr>
+                                      <p:tavLst>
+                                        <p:tav tm="0" fmla="#ppt_y-sin(pi*$)/27">
+                                          <p:val>
+                                            <p:fltVal val="0"/>
+                                          </p:val>
+                                        </p:tav>
+                                        <p:tav tm="100000">
+                                          <p:val>
+                                            <p:fltVal val="1"/>
+                                          </p:val>
+                                        </p:tav>
+                                      </p:tavLst>
+                                    </p:anim>
+                                    <p:anim calcmode="lin" valueType="num">
+                                      <p:cBhvr>
+                                        <p:cTn id="114" dur="164" tmFilter="0, 0; 0.125,0.2665; 0.25,0.4; 0.375,0.465; 0.5,0.5;  0.625,0.535; 0.75,0.6; 0.875,0.7335; 1,1">
+                                          <p:stCondLst>
+                                            <p:cond delay="1656"/>
+                                          </p:stCondLst>
+                                        </p:cTn>
+                                        <p:tgtEl>
+                                          <p:spTgt spid="3">
+                                            <p:txEl>
+                                              <p:pRg st="6" end="6"/>
+                                            </p:txEl>
+                                          </p:spTgt>
+                                        </p:tgtEl>
+                                        <p:attrNameLst>
+                                          <p:attrName>ppt_y</p:attrName>
+                                        </p:attrNameLst>
+                                      </p:cBhvr>
+                                      <p:tavLst>
+                                        <p:tav tm="0" fmla="#ppt_y-sin(pi*$)/81">
+                                          <p:val>
+                                            <p:fltVal val="0"/>
+                                          </p:val>
+                                        </p:tav>
+                                        <p:tav tm="100000">
+                                          <p:val>
+                                            <p:fltVal val="1"/>
+                                          </p:val>
+                                        </p:tav>
+                                      </p:tavLst>
+                                    </p:anim>
+                                    <p:animScale>
+                                      <p:cBhvr>
+                                        <p:cTn id="115" dur="26">
+                                          <p:stCondLst>
+                                            <p:cond delay="650"/>
+                                          </p:stCondLst>
+                                        </p:cTn>
+                                        <p:tgtEl>
+                                          <p:spTgt spid="3">
+                                            <p:txEl>
+                                              <p:pRg st="6" end="6"/>
+                                            </p:txEl>
+                                          </p:spTgt>
+                                        </p:tgtEl>
+                                      </p:cBhvr>
+                                      <p:to x="100000" y="60000"/>
+                                    </p:animScale>
+                                    <p:animScale>
+                                      <p:cBhvr>
+                                        <p:cTn id="116" dur="166" decel="50000">
+                                          <p:stCondLst>
+                                            <p:cond delay="676"/>
+                                          </p:stCondLst>
+                                        </p:cTn>
+                                        <p:tgtEl>
+                                          <p:spTgt spid="3">
+                                            <p:txEl>
+                                              <p:pRg st="6" end="6"/>
+                                            </p:txEl>
+                                          </p:spTgt>
+                                        </p:tgtEl>
+                                      </p:cBhvr>
+                                      <p:to x="100000" y="100000"/>
+                                    </p:animScale>
+                                    <p:animScale>
+                                      <p:cBhvr>
+                                        <p:cTn id="117" dur="26">
+                                          <p:stCondLst>
+                                            <p:cond delay="1312"/>
+                                          </p:stCondLst>
+                                        </p:cTn>
+                                        <p:tgtEl>
+                                          <p:spTgt spid="3">
+                                            <p:txEl>
+                                              <p:pRg st="6" end="6"/>
+                                            </p:txEl>
+                                          </p:spTgt>
+                                        </p:tgtEl>
+                                      </p:cBhvr>
+                                      <p:to x="100000" y="80000"/>
+                                    </p:animScale>
+                                    <p:animScale>
+                                      <p:cBhvr>
+                                        <p:cTn id="118" dur="166" decel="50000">
+                                          <p:stCondLst>
+                                            <p:cond delay="1338"/>
+                                          </p:stCondLst>
+                                        </p:cTn>
+                                        <p:tgtEl>
+                                          <p:spTgt spid="3">
+                                            <p:txEl>
+                                              <p:pRg st="6" end="6"/>
+                                            </p:txEl>
+                                          </p:spTgt>
+                                        </p:tgtEl>
+                                      </p:cBhvr>
+                                      <p:to x="100000" y="100000"/>
+                                    </p:animScale>
+                                    <p:animScale>
+                                      <p:cBhvr>
+                                        <p:cTn id="119" dur="26">
+                                          <p:stCondLst>
+                                            <p:cond delay="1642"/>
+                                          </p:stCondLst>
+                                        </p:cTn>
+                                        <p:tgtEl>
+                                          <p:spTgt spid="3">
+                                            <p:txEl>
+                                              <p:pRg st="6" end="6"/>
+                                            </p:txEl>
+                                          </p:spTgt>
+                                        </p:tgtEl>
+                                      </p:cBhvr>
+                                      <p:to x="100000" y="90000"/>
+                                    </p:animScale>
+                                    <p:animScale>
+                                      <p:cBhvr>
+                                        <p:cTn id="120" dur="166" decel="50000">
+                                          <p:stCondLst>
+                                            <p:cond delay="1668"/>
+                                          </p:stCondLst>
+                                        </p:cTn>
+                                        <p:tgtEl>
+                                          <p:spTgt spid="3">
+                                            <p:txEl>
+                                              <p:pRg st="6" end="6"/>
+                                            </p:txEl>
+                                          </p:spTgt>
+                                        </p:tgtEl>
+                                      </p:cBhvr>
+                                      <p:to x="100000" y="100000"/>
+                                    </p:animScale>
+                                    <p:animScale>
+                                      <p:cBhvr>
+                                        <p:cTn id="121" dur="26">
+                                          <p:stCondLst>
+                                            <p:cond delay="1808"/>
+                                          </p:stCondLst>
+                                        </p:cTn>
+                                        <p:tgtEl>
+                                          <p:spTgt spid="3">
+                                            <p:txEl>
+                                              <p:pRg st="6" end="6"/>
+                                            </p:txEl>
+                                          </p:spTgt>
+                                        </p:tgtEl>
+                                      </p:cBhvr>
+                                      <p:to x="100000" y="95000"/>
+                                    </p:animScale>
+                                    <p:animScale>
+                                      <p:cBhvr>
+                                        <p:cTn id="122" dur="166" decel="50000">
+                                          <p:stCondLst>
+                                            <p:cond delay="1834"/>
+                                          </p:stCondLst>
+                                        </p:cTn>
+                                        <p:tgtEl>
+                                          <p:spTgt spid="3">
+                                            <p:txEl>
+                                              <p:pRg st="6" end="6"/>
+                                            </p:txEl>
+                                          </p:spTgt>
+                                        </p:tgtEl>
+                                      </p:cBhvr>
+                                      <p:to x="100000" y="100000"/>
+                                    </p:animScale>
+                                  </p:childTnLst>
+                                </p:cTn>
+                              </p:par>
+                            </p:childTnLst>
+                          </p:cTn>
+                        </p:par>
+                      </p:childTnLst>
+                    </p:cTn>
+                  </p:par>
+                  <p:par>
+                    <p:cTn id="123" fill="hold">
+                      <p:stCondLst>
+                        <p:cond delay="indefinite"/>
+                      </p:stCondLst>
+                      <p:childTnLst>
+                        <p:par>
+                          <p:cTn id="124" fill="hold">
+                            <p:stCondLst>
+                              <p:cond delay="0"/>
+                            </p:stCondLst>
+                            <p:childTnLst>
+                              <p:par>
+                                <p:cTn id="125" presetID="10" presetClass="entr" presetSubtype="0" fill="hold" nodeType="clickEffect">
+                                  <p:stCondLst>
+                                    <p:cond delay="0"/>
+                                  </p:stCondLst>
+                                  <p:childTnLst>
+                                    <p:set>
+                                      <p:cBhvr>
+                                        <p:cTn id="126" dur="1" fill="hold">
+                                          <p:stCondLst>
+                                            <p:cond delay="0"/>
+                                          </p:stCondLst>
+                                        </p:cTn>
+                                        <p:tgtEl>
+                                          <p:spTgt spid="4">
+                                            <p:txEl>
+                                              <p:pRg st="0" end="0"/>
+                                            </p:txEl>
+                                          </p:spTgt>
+                                        </p:tgtEl>
+                                        <p:attrNameLst>
+                                          <p:attrName>style.visibility</p:attrName>
+                                        </p:attrNameLst>
+                                      </p:cBhvr>
+                                      <p:to>
+                                        <p:strVal val="visible"/>
+                                      </p:to>
+                                    </p:set>
+                                    <p:animEffect transition="in" filter="fade">
+                                      <p:cBhvr>
+                                        <p:cTn id="127" dur="500"/>
+                                        <p:tgtEl>
+                                          <p:spTgt spid="4">
+                                            <p:txEl>
+                                              <p:pRg st="0" end="0"/>
+                                            </p:txEl>
+                                          </p:spTgt>
+                                        </p:tgtEl>
+                                      </p:cBhvr>
+                                    </p:animEffect>
+                                  </p:childTnLst>
+                                </p:cTn>
+                              </p:par>
+                            </p:childTnLst>
+                          </p:cTn>
+                        </p:par>
+                      </p:childTnLst>
+                    </p:cTn>
+                  </p:par>
+                  <p:par>
+                    <p:cTn id="128" fill="hold">
+                      <p:stCondLst>
+                        <p:cond delay="indefinite"/>
+                      </p:stCondLst>
+                      <p:childTnLst>
+                        <p:par>
+                          <p:cTn id="129" fill="hold">
+                            <p:stCondLst>
+                              <p:cond delay="0"/>
+                            </p:stCondLst>
+                            <p:childTnLst>
+                              <p:par>
+                                <p:cTn id="130" presetID="10" presetClass="entr" presetSubtype="0" fill="hold" grpId="0" nodeType="clickEffect">
+                                  <p:stCondLst>
+                                    <p:cond delay="0"/>
+                                  </p:stCondLst>
+                                  <p:childTnLst>
+                                    <p:set>
+                                      <p:cBhvr>
+                                        <p:cTn id="131" dur="1" fill="hold">
+                                          <p:stCondLst>
+                                            <p:cond delay="0"/>
+                                          </p:stCondLst>
+                                        </p:cTn>
+                                        <p:tgtEl>
+                                          <p:spTgt spid="6"/>
+                                        </p:tgtEl>
+                                        <p:attrNameLst>
+                                          <p:attrName>style.visibility</p:attrName>
+                                        </p:attrNameLst>
+                                      </p:cBhvr>
+                                      <p:to>
+                                        <p:strVal val="visible"/>
+                                      </p:to>
+                                    </p:set>
+                                    <p:animEffect transition="in" filter="fade">
+                                      <p:cBhvr>
+                                        <p:cTn id="132" dur="500"/>
+                                        <p:tgtEl>
+                                          <p:spTgt spid="6"/>
+                                        </p:tgtEl>
+                                      </p:cBhvr>
+                                    </p:animEffect>
+                                  </p:childTnLst>
+                                </p:cTn>
+                              </p:par>
+                            </p:childTnLst>
+                          </p:cTn>
+                        </p:par>
+                      </p:childTnLst>
+                    </p:cTn>
+                  </p:par>
+                  <p:par>
+                    <p:cTn id="133" fill="hold">
+                      <p:stCondLst>
+                        <p:cond delay="indefinite"/>
+                      </p:stCondLst>
+                      <p:childTnLst>
+                        <p:par>
+                          <p:cTn id="134" fill="hold">
+                            <p:stCondLst>
+                              <p:cond delay="0"/>
+                            </p:stCondLst>
+                            <p:childTnLst>
+                              <p:par>
+                                <p:cTn id="135" presetID="10" presetClass="entr" presetSubtype="0" fill="hold" grpId="0" nodeType="clickEffect">
+                                  <p:stCondLst>
+                                    <p:cond delay="0"/>
+                                  </p:stCondLst>
+                                  <p:childTnLst>
+                                    <p:set>
+                                      <p:cBhvr>
+                                        <p:cTn id="136" dur="1" fill="hold">
+                                          <p:stCondLst>
+                                            <p:cond delay="0"/>
+                                          </p:stCondLst>
+                                        </p:cTn>
+                                        <p:tgtEl>
+                                          <p:spTgt spid="7"/>
+                                        </p:tgtEl>
+                                        <p:attrNameLst>
+                                          <p:attrName>style.visibility</p:attrName>
+                                        </p:attrNameLst>
+                                      </p:cBhvr>
+                                      <p:to>
+                                        <p:strVal val="visible"/>
+                                      </p:to>
+                                    </p:set>
+                                    <p:animEffect transition="in" filter="fade">
+                                      <p:cBhvr>
+                                        <p:cTn id="137" dur="500"/>
+                                        <p:tgtEl>
+                                          <p:spTgt spid="7"/>
+                                        </p:tgtEl>
+                                      </p:cBhvr>
+                                    </p:animEffect>
                                   </p:childTnLst>
                                 </p:cTn>
                               </p:par>
@@ -10200,6 +11769,8 @@
     </p:tnLst>
     <p:bldLst>
       <p:bldP spid="3" grpId="0" uiExpand="1" build="p"/>
+      <p:bldP spid="6" grpId="0"/>
+      <p:bldP spid="7" grpId="0"/>
     </p:bldLst>
   </p:timing>
 </p:sld>
@@ -10272,35 +11843,37 @@
         </p:nvSpPr>
         <p:spPr/>
         <p:txBody>
-          <a:bodyPr/>
+          <a:bodyPr>
+            <a:noAutofit/>
+          </a:bodyPr>
           <a:lstStyle/>
           <a:p>
             <a:r>
-              <a:rPr lang="hu-HU" dirty="0"/>
+              <a:rPr lang="hu-HU" sz="3200" dirty="0"/>
               <a:t>Reinhardt Benjámin</a:t>
             </a:r>
           </a:p>
           <a:p>
-            <a:endParaRPr lang="hu-HU" dirty="0"/>
-          </a:p>
-          <a:p>
-            <a:endParaRPr lang="hu-HU" dirty="0"/>
+            <a:endParaRPr lang="hu-HU" sz="3200" dirty="0"/>
+          </a:p>
+          <a:p>
+            <a:endParaRPr lang="hu-HU" sz="3200" dirty="0"/>
           </a:p>
           <a:p>
             <a:r>
-              <a:rPr lang="hu-HU" dirty="0"/>
+              <a:rPr lang="hu-HU" sz="3200" dirty="0"/>
               <a:t>Kiss Martin</a:t>
             </a:r>
           </a:p>
           <a:p>
-            <a:endParaRPr lang="hu-HU" dirty="0"/>
-          </a:p>
-          <a:p>
-            <a:endParaRPr lang="hu-HU" dirty="0"/>
+            <a:endParaRPr lang="hu-HU" sz="3200" dirty="0"/>
+          </a:p>
+          <a:p>
+            <a:endParaRPr lang="hu-HU" sz="3200" dirty="0"/>
           </a:p>
           <a:p>
             <a:r>
-              <a:rPr lang="hu-HU" dirty="0"/>
+              <a:rPr lang="hu-HU" sz="3200" dirty="0"/>
               <a:t>Kovács Péter</a:t>
             </a:r>
           </a:p>
@@ -10316,13 +11889,13 @@
   <p:clrMapOvr>
     <a:masterClrMapping/>
   </p:clrMapOvr>
-  <mc:AlternateContent xmlns:mc="http://schemas.openxmlformats.org/markup-compatibility/2006">
-    <mc:Choice xmlns:p15="http://schemas.microsoft.com/office/powerpoint/2012/main" Requires="p15">
+  <mc:AlternateContent xmlns:mc="http://schemas.openxmlformats.org/markup-compatibility/2006" xmlns:p15="http://schemas.microsoft.com/office/powerpoint/2012/main">
+    <mc:Choice Requires="p15">
       <p:transition xmlns:p14="http://schemas.microsoft.com/office/powerpoint/2010/main" spd="slow" p14:dur="8000">
         <p15:prstTrans prst="origami"/>
       </p:transition>
     </mc:Choice>
-    <mc:Fallback>
+    <mc:Fallback xmlns="">
       <p:transition spd="slow">
         <p:fade/>
       </p:transition>
